--- a/TVCHH/TVCHH 012 - Cùng Chúc Tôn Chúa.pptx
+++ b/TVCHH/TVCHH 012 - Cùng Chúc Tôn Chúa.pptx
@@ -170,10 +170,9 @@
           <a:lstStyle/>
           <a:p>
             <a:r>
-              <a:rPr lang="en-US" smtClean="0"/>
+              <a:rPr lang="en-US"/>
               <a:t>Click to edit Master title style</a:t>
             </a:r>
-            <a:endParaRPr lang="en-US"/>
           </a:p>
         </p:txBody>
       </p:sp>
@@ -289,10 +288,9 @@
           </a:lstStyle>
           <a:p>
             <a:r>
-              <a:rPr lang="en-US" smtClean="0"/>
+              <a:rPr lang="en-US"/>
               <a:t>Click to edit Master subtitle style</a:t>
             </a:r>
-            <a:endParaRPr lang="en-US"/>
           </a:p>
         </p:txBody>
       </p:sp>
@@ -314,7 +312,7 @@
             <a:fld id="{1D8BD707-D9CF-40AE-B4C6-C98DA3205C09}" type="datetimeFigureOut">
               <a:rPr lang="en-US" smtClean="0"/>
               <a:pPr/>
-              <a:t>3/25/2013</a:t>
+              <a:t>9/28/19</a:t>
             </a:fld>
             <a:endParaRPr lang="en-US"/>
           </a:p>
@@ -404,10 +402,9 @@
           <a:lstStyle/>
           <a:p>
             <a:r>
-              <a:rPr lang="en-US" smtClean="0"/>
+              <a:rPr lang="en-US"/>
               <a:t>Click to edit Master title style</a:t>
             </a:r>
-            <a:endParaRPr lang="en-US"/>
           </a:p>
         </p:txBody>
       </p:sp>
@@ -428,38 +425,37 @@
           <a:p>
             <a:pPr lvl="0"/>
             <a:r>
-              <a:rPr lang="en-US" smtClean="0"/>
+              <a:rPr lang="en-US"/>
               <a:t>Click to edit Master text styles</a:t>
             </a:r>
           </a:p>
           <a:p>
             <a:pPr lvl="1"/>
             <a:r>
-              <a:rPr lang="en-US" smtClean="0"/>
+              <a:rPr lang="en-US"/>
               <a:t>Second level</a:t>
             </a:r>
           </a:p>
           <a:p>
             <a:pPr lvl="2"/>
             <a:r>
-              <a:rPr lang="en-US" smtClean="0"/>
+              <a:rPr lang="en-US"/>
               <a:t>Third level</a:t>
             </a:r>
           </a:p>
           <a:p>
             <a:pPr lvl="3"/>
             <a:r>
-              <a:rPr lang="en-US" smtClean="0"/>
+              <a:rPr lang="en-US"/>
               <a:t>Fourth level</a:t>
             </a:r>
           </a:p>
           <a:p>
             <a:pPr lvl="4"/>
             <a:r>
-              <a:rPr lang="en-US" smtClean="0"/>
+              <a:rPr lang="en-US"/>
               <a:t>Fifth level</a:t>
             </a:r>
-            <a:endParaRPr lang="en-US"/>
           </a:p>
         </p:txBody>
       </p:sp>
@@ -481,7 +477,7 @@
             <a:fld id="{1D8BD707-D9CF-40AE-B4C6-C98DA3205C09}" type="datetimeFigureOut">
               <a:rPr lang="en-US" smtClean="0"/>
               <a:pPr/>
-              <a:t>3/25/2013</a:t>
+              <a:t>9/28/19</a:t>
             </a:fld>
             <a:endParaRPr lang="en-US"/>
           </a:p>
@@ -576,10 +572,9 @@
           <a:lstStyle/>
           <a:p>
             <a:r>
-              <a:rPr lang="en-US" smtClean="0"/>
+              <a:rPr lang="en-US"/>
               <a:t>Click to edit Master title style</a:t>
             </a:r>
-            <a:endParaRPr lang="en-US"/>
           </a:p>
         </p:txBody>
       </p:sp>
@@ -695,10 +690,9 @@
           </a:lstStyle>
           <a:p>
             <a:r>
-              <a:rPr lang="en-US" smtClean="0"/>
+              <a:rPr lang="en-US"/>
               <a:t>Click to edit Master subtitle style</a:t>
             </a:r>
-            <a:endParaRPr lang="en-US"/>
           </a:p>
         </p:txBody>
       </p:sp>
@@ -720,7 +714,7 @@
             <a:fld id="{1D8BD707-D9CF-40AE-B4C6-C98DA3205C09}" type="datetimeFigureOut">
               <a:rPr lang="en-US" smtClean="0"/>
               <a:pPr/>
-              <a:t>3/25/2013</a:t>
+              <a:t>9/28/19</a:t>
             </a:fld>
             <a:endParaRPr lang="en-US"/>
           </a:p>
@@ -815,10 +809,9 @@
           <a:lstStyle/>
           <a:p>
             <a:r>
-              <a:rPr lang="en-US" smtClean="0"/>
+              <a:rPr lang="en-US"/>
               <a:t>Click to edit Master title style</a:t>
             </a:r>
-            <a:endParaRPr lang="en-US"/>
           </a:p>
         </p:txBody>
       </p:sp>
@@ -839,38 +832,37 @@
           <a:p>
             <a:pPr lvl="0"/>
             <a:r>
-              <a:rPr lang="en-US" smtClean="0"/>
+              <a:rPr lang="en-US"/>
               <a:t>Click to edit Master text styles</a:t>
             </a:r>
           </a:p>
           <a:p>
             <a:pPr lvl="1"/>
             <a:r>
-              <a:rPr lang="en-US" smtClean="0"/>
+              <a:rPr lang="en-US"/>
               <a:t>Second level</a:t>
             </a:r>
           </a:p>
           <a:p>
             <a:pPr lvl="2"/>
             <a:r>
-              <a:rPr lang="en-US" smtClean="0"/>
+              <a:rPr lang="en-US"/>
               <a:t>Third level</a:t>
             </a:r>
           </a:p>
           <a:p>
             <a:pPr lvl="3"/>
             <a:r>
-              <a:rPr lang="en-US" smtClean="0"/>
+              <a:rPr lang="en-US"/>
               <a:t>Fourth level</a:t>
             </a:r>
           </a:p>
           <a:p>
             <a:pPr lvl="4"/>
             <a:r>
-              <a:rPr lang="en-US" smtClean="0"/>
+              <a:rPr lang="en-US"/>
               <a:t>Fifth level</a:t>
             </a:r>
-            <a:endParaRPr lang="en-US"/>
           </a:p>
         </p:txBody>
       </p:sp>
@@ -892,7 +884,7 @@
             <a:fld id="{1D8BD707-D9CF-40AE-B4C6-C98DA3205C09}" type="datetimeFigureOut">
               <a:rPr lang="en-US" smtClean="0"/>
               <a:pPr/>
-              <a:t>3/25/2013</a:t>
+              <a:t>9/28/19</a:t>
             </a:fld>
             <a:endParaRPr lang="en-US"/>
           </a:p>
@@ -1002,10 +994,9 @@
           <a:lstStyle/>
           <a:p>
             <a:r>
-              <a:rPr lang="en-US" smtClean="0"/>
+              <a:rPr lang="en-US"/>
               <a:t>Click to edit Master title style</a:t>
             </a:r>
-            <a:endParaRPr lang="en-US"/>
           </a:p>
         </p:txBody>
       </p:sp>
@@ -1036,38 +1027,37 @@
           <a:p>
             <a:pPr lvl="0"/>
             <a:r>
-              <a:rPr lang="en-US" smtClean="0"/>
+              <a:rPr lang="en-US"/>
               <a:t>Click to edit Master text styles</a:t>
             </a:r>
           </a:p>
           <a:p>
             <a:pPr lvl="1"/>
             <a:r>
-              <a:rPr lang="en-US" smtClean="0"/>
+              <a:rPr lang="en-US"/>
               <a:t>Second level</a:t>
             </a:r>
           </a:p>
           <a:p>
             <a:pPr lvl="2"/>
             <a:r>
-              <a:rPr lang="en-US" smtClean="0"/>
+              <a:rPr lang="en-US"/>
               <a:t>Third level</a:t>
             </a:r>
           </a:p>
           <a:p>
             <a:pPr lvl="3"/>
             <a:r>
-              <a:rPr lang="en-US" smtClean="0"/>
+              <a:rPr lang="en-US"/>
               <a:t>Fourth level</a:t>
             </a:r>
           </a:p>
           <a:p>
             <a:pPr lvl="4"/>
             <a:r>
-              <a:rPr lang="en-US" smtClean="0"/>
+              <a:rPr lang="en-US"/>
               <a:t>Fifth level</a:t>
             </a:r>
-            <a:endParaRPr lang="en-US"/>
           </a:p>
         </p:txBody>
       </p:sp>
@@ -1107,7 +1097,7 @@
             <a:fld id="{1D8BD707-D9CF-40AE-B4C6-C98DA3205C09}" type="datetimeFigureOut">
               <a:rPr lang="en-US" smtClean="0"/>
               <a:pPr/>
-              <a:t>3/25/2013</a:t>
+              <a:t>9/28/19</a:t>
             </a:fld>
             <a:endParaRPr lang="en-US"/>
           </a:p>
@@ -1526,10 +1516,9 @@
           <a:lstStyle/>
           <a:p>
             <a:r>
-              <a:rPr lang="en-US" smtClean="0"/>
+              <a:rPr lang="en-US"/>
               <a:t>Click to edit Master title style</a:t>
             </a:r>
-            <a:endParaRPr lang="en-US"/>
           </a:p>
         </p:txBody>
       </p:sp>
@@ -1560,38 +1549,37 @@
           <a:p>
             <a:pPr lvl="0"/>
             <a:r>
-              <a:rPr lang="en-US" smtClean="0"/>
+              <a:rPr lang="en-US"/>
               <a:t>Click to edit Master text styles</a:t>
             </a:r>
           </a:p>
           <a:p>
             <a:pPr lvl="1"/>
             <a:r>
-              <a:rPr lang="en-US" smtClean="0"/>
+              <a:rPr lang="en-US"/>
               <a:t>Second level</a:t>
             </a:r>
           </a:p>
           <a:p>
             <a:pPr lvl="2"/>
             <a:r>
-              <a:rPr lang="en-US" smtClean="0"/>
+              <a:rPr lang="en-US"/>
               <a:t>Third level</a:t>
             </a:r>
           </a:p>
           <a:p>
             <a:pPr lvl="3"/>
             <a:r>
-              <a:rPr lang="en-US" smtClean="0"/>
+              <a:rPr lang="en-US"/>
               <a:t>Fourth level</a:t>
             </a:r>
           </a:p>
           <a:p>
             <a:pPr lvl="4"/>
             <a:r>
-              <a:rPr lang="en-US" smtClean="0"/>
+              <a:rPr lang="en-US"/>
               <a:t>Fifth level</a:t>
             </a:r>
-            <a:endParaRPr lang="en-US"/>
           </a:p>
         </p:txBody>
       </p:sp>
@@ -1631,7 +1619,7 @@
             <a:fld id="{1D8BD707-D9CF-40AE-B4C6-C98DA3205C09}" type="datetimeFigureOut">
               <a:rPr lang="en-US" smtClean="0"/>
               <a:pPr/>
-              <a:t>3/25/2013</a:t>
+              <a:t>9/28/19</a:t>
             </a:fld>
             <a:endParaRPr lang="en-US"/>
           </a:p>
@@ -2059,7 +2047,7 @@
         <p:spPr>
           <a:xfrm>
             <a:off x="609600" y="381000"/>
-            <a:ext cx="7772400" cy="707886"/>
+            <a:ext cx="7772400" cy="1323439"/>
           </a:xfrm>
           <a:prstGeom prst="rect">
             <a:avLst/>
@@ -2074,13 +2062,13 @@
           <a:p>
             <a:pPr algn="ctr"/>
             <a:r>
-              <a:rPr lang="en-US" sz="4000" b="1" smtClean="0">
-                <a:latin typeface="HP-Busorama" pitchFamily="34" charset="0"/>
+              <a:rPr lang="en-US" sz="4000" b="1" dirty="0">
+                <a:latin typeface="VNI-Times" pitchFamily="2" charset="0"/>
               </a:rPr>
               <a:t>TOÂN VINH CHUÙA - BIEÄT THAÙNH CA</a:t>
             </a:r>
-            <a:endParaRPr lang="en-US" sz="6000" b="1" smtClean="0">
-              <a:latin typeface="HP-Busorama" pitchFamily="34" charset="0"/>
+            <a:endParaRPr lang="en-US" sz="6000" b="1" dirty="0">
+              <a:latin typeface="VNI-Times" pitchFamily="2" charset="0"/>
             </a:endParaRPr>
           </a:p>
         </p:txBody>
@@ -2109,7 +2097,7 @@
           <a:p>
             <a:pPr algn="ctr"/>
             <a:r>
-              <a:rPr lang="en-US" sz="8800" b="1" dirty="0" err="1" smtClean="0">
+              <a:rPr lang="en-US" sz="8800" b="1" dirty="0" err="1">
                 <a:ln w="22225">
                   <a:solidFill>
                     <a:schemeClr val="accent2"/>
@@ -2119,12 +2107,12 @@
                 <a:solidFill>
                   <a:srgbClr val="C00000"/>
                 </a:solidFill>
-                <a:latin typeface="VNI-Timfani-Heavy" pitchFamily="2" charset="0"/>
+                <a:latin typeface="VNI-Times" pitchFamily="2" charset="0"/>
               </a:rPr>
               <a:t>C</a:t>
             </a:r>
             <a:r>
-              <a:rPr lang="en-US" sz="6000" b="1" dirty="0" err="1" smtClean="0">
+              <a:rPr lang="en-US" sz="6000" b="1" dirty="0" err="1">
                 <a:ln w="22225">
                   <a:solidFill>
                     <a:schemeClr val="accent2"/>
@@ -2134,12 +2122,12 @@
                 <a:solidFill>
                   <a:srgbClr val="C00000"/>
                 </a:solidFill>
-                <a:latin typeface="VNI-Timfani-Heavy" pitchFamily="2" charset="0"/>
+                <a:latin typeface="VNI-Times" pitchFamily="2" charset="0"/>
               </a:rPr>
               <a:t>UØNG</a:t>
             </a:r>
             <a:r>
-              <a:rPr lang="en-US" sz="6000" b="1" dirty="0" smtClean="0">
+              <a:rPr lang="en-US" sz="6000" b="1" dirty="0">
                 <a:ln w="22225">
                   <a:solidFill>
                     <a:schemeClr val="accent2"/>
@@ -2149,12 +2137,12 @@
                 <a:solidFill>
                   <a:srgbClr val="C00000"/>
                 </a:solidFill>
-                <a:latin typeface="VNI-Timfani-Heavy" pitchFamily="2" charset="0"/>
-              </a:rPr>
-              <a:t> </a:t>
-            </a:r>
-            <a:r>
-              <a:rPr lang="en-US" sz="6000" b="1" dirty="0" err="1" smtClean="0">
+                <a:latin typeface="VNI-Times" pitchFamily="2" charset="0"/>
+              </a:rPr>
+              <a:t> </a:t>
+            </a:r>
+            <a:r>
+              <a:rPr lang="en-US" sz="6000" b="1" dirty="0" err="1">
                 <a:ln w="22225">
                   <a:solidFill>
                     <a:schemeClr val="accent2"/>
@@ -2164,12 +2152,12 @@
                 <a:solidFill>
                   <a:srgbClr val="C00000"/>
                 </a:solidFill>
-                <a:latin typeface="VNI-Timfani-Heavy" pitchFamily="2" charset="0"/>
+                <a:latin typeface="VNI-Times" pitchFamily="2" charset="0"/>
               </a:rPr>
               <a:t>CHUÙC</a:t>
             </a:r>
             <a:r>
-              <a:rPr lang="en-US" sz="6000" b="1" dirty="0" smtClean="0">
+              <a:rPr lang="en-US" sz="6000" b="1" dirty="0">
                 <a:ln w="22225">
                   <a:solidFill>
                     <a:schemeClr val="accent2"/>
@@ -2179,12 +2167,12 @@
                 <a:solidFill>
                   <a:srgbClr val="C00000"/>
                 </a:solidFill>
-                <a:latin typeface="VNI-Timfani-Heavy" pitchFamily="2" charset="0"/>
+                <a:latin typeface="VNI-Times" pitchFamily="2" charset="0"/>
               </a:rPr>
               <a:t> </a:t>
             </a:r>
             <a:br>
-              <a:rPr lang="en-US" sz="6000" b="1" dirty="0" smtClean="0">
+              <a:rPr lang="en-US" sz="6000" b="1" dirty="0">
                 <a:ln w="22225">
                   <a:solidFill>
                     <a:schemeClr val="accent2"/>
@@ -2194,11 +2182,11 @@
                 <a:solidFill>
                   <a:srgbClr val="C00000"/>
                 </a:solidFill>
-                <a:latin typeface="VNI-Timfani-Heavy" pitchFamily="2" charset="0"/>
+                <a:latin typeface="VNI-Times" pitchFamily="2" charset="0"/>
               </a:rPr>
             </a:br>
             <a:r>
-              <a:rPr lang="en-US" sz="6000" b="1" dirty="0" err="1" smtClean="0">
+              <a:rPr lang="en-US" sz="6000" b="1" dirty="0" err="1">
                 <a:ln w="22225">
                   <a:solidFill>
                     <a:schemeClr val="accent2"/>
@@ -2208,12 +2196,12 @@
                 <a:solidFill>
                   <a:srgbClr val="C00000"/>
                 </a:solidFill>
-                <a:latin typeface="VNI-Timfani-Heavy" pitchFamily="2" charset="0"/>
+                <a:latin typeface="VNI-Times" pitchFamily="2" charset="0"/>
               </a:rPr>
               <a:t>TOÂN</a:t>
             </a:r>
             <a:r>
-              <a:rPr lang="en-US" sz="6000" b="1" dirty="0" smtClean="0">
+              <a:rPr lang="en-US" sz="6000" b="1" dirty="0">
                 <a:ln w="22225">
                   <a:solidFill>
                     <a:schemeClr val="accent2"/>
@@ -2223,12 +2211,12 @@
                 <a:solidFill>
                   <a:srgbClr val="C00000"/>
                 </a:solidFill>
-                <a:latin typeface="VNI-Timfani-Heavy" pitchFamily="2" charset="0"/>
-              </a:rPr>
-              <a:t> </a:t>
-            </a:r>
-            <a:r>
-              <a:rPr lang="en-US" sz="6000" b="1" dirty="0" err="1" smtClean="0">
+                <a:latin typeface="VNI-Times" pitchFamily="2" charset="0"/>
+              </a:rPr>
+              <a:t> </a:t>
+            </a:r>
+            <a:r>
+              <a:rPr lang="en-US" sz="6000" b="1" dirty="0" err="1">
                 <a:ln w="22225">
                   <a:solidFill>
                     <a:schemeClr val="accent2"/>
@@ -2238,11 +2226,11 @@
                 <a:solidFill>
                   <a:srgbClr val="C00000"/>
                 </a:solidFill>
-                <a:latin typeface="VNI-Timfani-Heavy" pitchFamily="2" charset="0"/>
+                <a:latin typeface="VNI-Times" pitchFamily="2" charset="0"/>
               </a:rPr>
               <a:t>CHUÙA</a:t>
             </a:r>
-            <a:endParaRPr lang="en-US" sz="3600" b="1" dirty="0" smtClean="0">
+            <a:endParaRPr lang="en-US" sz="3600" b="1" dirty="0">
               <a:ln w="22225">
                 <a:solidFill>
                   <a:schemeClr val="accent2"/>
@@ -2252,7 +2240,7 @@
               <a:solidFill>
                 <a:srgbClr val="C00000"/>
               </a:solidFill>
-              <a:latin typeface="VNI-Timfani-Heavy" pitchFamily="2" charset="0"/>
+              <a:latin typeface="VNI-Times" pitchFamily="2" charset="0"/>
             </a:endParaRPr>
           </a:p>
         </p:txBody>
@@ -2274,13 +2262,6 @@
       </p:transition>
     </mc:Fallback>
   </mc:AlternateContent>
-  <p:timing>
-    <p:tnLst>
-      <p:par>
-        <p:cTn id="1" dur="indefinite" restart="never" nodeType="tmRoot"/>
-      </p:par>
-    </p:tnLst>
-  </p:timing>
 </p:sld>
 </file>
 
@@ -2325,114 +2306,123 @@
           <a:p>
             <a:pPr algn="ctr"/>
             <a:r>
-              <a:rPr lang="en-US" sz="6600" b="1" dirty="0" err="1" smtClean="0">
-                <a:latin typeface="HP-Aptima" pitchFamily="34" charset="0"/>
+              <a:rPr lang="en-US" sz="6600" b="1" dirty="0" err="1">
+                <a:latin typeface="VNI-Times" pitchFamily="2" charset="0"/>
               </a:rPr>
               <a:t>Nguyeän</a:t>
             </a:r>
             <a:r>
-              <a:rPr lang="en-US" sz="6600" b="1" dirty="0" smtClean="0">
-                <a:latin typeface="HP-Aptima" pitchFamily="34" charset="0"/>
-              </a:rPr>
-              <a:t> </a:t>
-            </a:r>
-            <a:r>
-              <a:rPr lang="en-US" sz="6600" b="1" dirty="0" err="1" smtClean="0">
-                <a:latin typeface="HP-Aptima" pitchFamily="34" charset="0"/>
+              <a:rPr lang="en-US" sz="6600" b="1" dirty="0">
+                <a:latin typeface="VNI-Times" pitchFamily="2" charset="0"/>
+              </a:rPr>
+              <a:t> </a:t>
+            </a:r>
+            <a:r>
+              <a:rPr lang="en-US" sz="6600" b="1" dirty="0" err="1">
+                <a:latin typeface="VNI-Times" pitchFamily="2" charset="0"/>
               </a:rPr>
               <a:t>ñoàng</a:t>
             </a:r>
             <a:r>
-              <a:rPr lang="en-US" sz="6600" b="1" dirty="0" smtClean="0">
-                <a:latin typeface="HP-Aptima" pitchFamily="34" charset="0"/>
-              </a:rPr>
-              <a:t> </a:t>
-            </a:r>
-            <a:r>
-              <a:rPr lang="en-US" sz="6600" b="1" err="1" smtClean="0">
-                <a:latin typeface="HP-Aptima" pitchFamily="34" charset="0"/>
+              <a:rPr lang="en-US" sz="6600" b="1" dirty="0">
+                <a:latin typeface="VNI-Times" pitchFamily="2" charset="0"/>
+              </a:rPr>
+              <a:t> </a:t>
+            </a:r>
+            <a:r>
+              <a:rPr lang="en-US" sz="6600" b="1" dirty="0" err="1">
+                <a:latin typeface="VNI-Times" pitchFamily="2" charset="0"/>
               </a:rPr>
               <a:t>loøng</a:t>
             </a:r>
             <a:r>
-              <a:rPr lang="en-US" sz="6600" b="1" smtClean="0">
-                <a:latin typeface="HP-Aptima" pitchFamily="34" charset="0"/>
+              <a:rPr lang="en-US" sz="6600" b="1" dirty="0">
+                <a:latin typeface="VNI-Times" pitchFamily="2" charset="0"/>
               </a:rPr>
               <a:t> </a:t>
             </a:r>
             <a:br>
-              <a:rPr lang="en-US" sz="6600" b="1" smtClean="0">
-                <a:latin typeface="HP-Aptima" pitchFamily="34" charset="0"/>
+              <a:rPr lang="en-US" sz="6600" b="1" dirty="0">
+                <a:latin typeface="VNI-Times" pitchFamily="2" charset="0"/>
               </a:rPr>
             </a:br>
             <a:r>
-              <a:rPr lang="en-US" sz="6600" b="1" smtClean="0">
-                <a:latin typeface="HP-Aptima" pitchFamily="34" charset="0"/>
-              </a:rPr>
-              <a:t>haùt </a:t>
-            </a:r>
-            <a:r>
-              <a:rPr lang="en-US" sz="6600" b="1" dirty="0" smtClean="0">
-                <a:latin typeface="HP-Aptima" pitchFamily="34" charset="0"/>
-              </a:rPr>
-              <a:t>ca, </a:t>
-            </a:r>
-            <a:r>
-              <a:rPr lang="en-US" sz="6600" b="1" dirty="0" err="1" smtClean="0">
-                <a:latin typeface="HP-Aptima" pitchFamily="34" charset="0"/>
+              <a:rPr lang="en-US" sz="6600" b="1" dirty="0" err="1">
+                <a:latin typeface="VNI-Times" pitchFamily="2" charset="0"/>
+              </a:rPr>
+              <a:t>haùt</a:t>
+            </a:r>
+            <a:r>
+              <a:rPr lang="en-US" sz="6600" b="1" dirty="0">
+                <a:latin typeface="VNI-Times" pitchFamily="2" charset="0"/>
+              </a:rPr>
+              <a:t> ca, </a:t>
+            </a:r>
+            <a:r>
+              <a:rPr lang="en-US" sz="6600" b="1" dirty="0" err="1">
+                <a:latin typeface="VNI-Times" pitchFamily="2" charset="0"/>
               </a:rPr>
               <a:t>cuøng</a:t>
             </a:r>
             <a:r>
-              <a:rPr lang="en-US" sz="6600" b="1" dirty="0" smtClean="0">
-                <a:latin typeface="HP-Aptima" pitchFamily="34" charset="0"/>
-              </a:rPr>
-              <a:t> </a:t>
-            </a:r>
-            <a:r>
-              <a:rPr lang="en-US" sz="6600" b="1" err="1" smtClean="0">
-                <a:latin typeface="HP-Aptima" pitchFamily="34" charset="0"/>
+              <a:rPr lang="en-US" sz="6600" b="1" dirty="0">
+                <a:latin typeface="VNI-Times" pitchFamily="2" charset="0"/>
+              </a:rPr>
+              <a:t> </a:t>
+            </a:r>
+            <a:r>
+              <a:rPr lang="en-US" sz="6600" b="1" dirty="0" err="1">
+                <a:latin typeface="VNI-Times" pitchFamily="2" charset="0"/>
               </a:rPr>
               <a:t>nhau</a:t>
             </a:r>
             <a:r>
-              <a:rPr lang="en-US" sz="6600" b="1" smtClean="0">
-                <a:latin typeface="HP-Aptima" pitchFamily="34" charset="0"/>
+              <a:rPr lang="en-US" sz="6600" b="1" dirty="0">
+                <a:latin typeface="VNI-Times" pitchFamily="2" charset="0"/>
               </a:rPr>
               <a:t> </a:t>
             </a:r>
             <a:br>
-              <a:rPr lang="en-US" sz="6600" b="1" smtClean="0">
-                <a:latin typeface="HP-Aptima" pitchFamily="34" charset="0"/>
+              <a:rPr lang="en-US" sz="6600" b="1" dirty="0">
+                <a:latin typeface="VNI-Times" pitchFamily="2" charset="0"/>
               </a:rPr>
             </a:br>
             <a:r>
-              <a:rPr lang="en-US" sz="6600" b="1" smtClean="0">
-                <a:latin typeface="HP-Aptima" pitchFamily="34" charset="0"/>
-              </a:rPr>
-              <a:t>chuùc </a:t>
-            </a:r>
-            <a:r>
-              <a:rPr lang="en-US" sz="6600" b="1" err="1" smtClean="0">
-                <a:latin typeface="HP-Aptima" pitchFamily="34" charset="0"/>
+              <a:rPr lang="en-US" sz="6600" b="1" dirty="0" err="1">
+                <a:latin typeface="VNI-Times" pitchFamily="2" charset="0"/>
+              </a:rPr>
+              <a:t>chuùc</a:t>
+            </a:r>
+            <a:r>
+              <a:rPr lang="en-US" sz="6600" b="1" dirty="0">
+                <a:latin typeface="VNI-Times" pitchFamily="2" charset="0"/>
+              </a:rPr>
+              <a:t> </a:t>
+            </a:r>
+            <a:r>
+              <a:rPr lang="en-US" sz="6600" b="1" dirty="0" err="1">
+                <a:latin typeface="VNI-Times" pitchFamily="2" charset="0"/>
               </a:rPr>
               <a:t>toân</a:t>
             </a:r>
             <a:r>
-              <a:rPr lang="en-US" sz="6600" b="1" smtClean="0">
-                <a:latin typeface="HP-Aptima" pitchFamily="34" charset="0"/>
-              </a:rPr>
-              <a:t> Ngaøi</a:t>
-            </a:r>
-            <a:r>
-              <a:rPr lang="en-US" sz="6600" b="1" dirty="0">
-                <a:latin typeface="HP-Aptima" pitchFamily="34" charset="0"/>
+              <a:rPr lang="en-US" sz="6600" b="1" dirty="0">
+                <a:latin typeface="VNI-Times" pitchFamily="2" charset="0"/>
+              </a:rPr>
+              <a:t> </a:t>
+            </a:r>
+            <a:r>
+              <a:rPr lang="en-US" sz="6600" b="1" dirty="0" err="1">
+                <a:latin typeface="VNI-Times" pitchFamily="2" charset="0"/>
+              </a:rPr>
+              <a:t>Ngaøi</a:t>
+            </a:r>
+            <a:r>
+              <a:rPr lang="en-US" sz="6600" b="1" dirty="0">
+                <a:latin typeface="VNI-Times" pitchFamily="2" charset="0"/>
               </a:rPr>
               <a:t>.</a:t>
             </a:r>
-            <a:endParaRPr lang="en-US" sz="6600" b="1" dirty="0" smtClean="0">
-              <a:latin typeface="HP-Aptima" pitchFamily="34" charset="0"/>
-            </a:endParaRPr>
           </a:p>
         </p:txBody>
       </p:sp>
@@ -2460,7 +2450,7 @@
           <a:p>
             <a:pPr algn="ctr"/>
             <a:r>
-              <a:rPr lang="en-US" sz="3600" b="1">
+              <a:rPr lang="en-US" sz="3600" b="1" dirty="0">
                 <a:ln w="11430"/>
                 <a:solidFill>
                   <a:schemeClr val="bg1"/>
@@ -2475,49 +2465,9 @@
                     </a:srgbClr>
                   </a:outerShdw>
                 </a:effectLst>
-                <a:latin typeface="VNI-Timfani-Heavy" pitchFamily="2" charset="0"/>
-              </a:rPr>
-              <a:t>CUØNG CHUÙC </a:t>
-            </a:r>
-            <a:r>
-              <a:rPr lang="en-US" sz="3600" b="1" smtClean="0">
-                <a:ln w="11430"/>
-                <a:solidFill>
-                  <a:schemeClr val="bg1"/>
-                </a:solidFill>
-                <a:effectLst>
-                  <a:glow rad="127000">
-                    <a:prstClr val="black"/>
-                  </a:glow>
-                  <a:outerShdw blurRad="50800" dist="39000" dir="5460000" algn="tl">
-                    <a:srgbClr val="000000">
-                      <a:alpha val="38000"/>
-                    </a:srgbClr>
-                  </a:outerShdw>
-                </a:effectLst>
-                <a:latin typeface="VNI-Timfani-Heavy" pitchFamily="2" charset="0"/>
-              </a:rPr>
-              <a:t>TOÂN </a:t>
-            </a:r>
-            <a:r>
-              <a:rPr lang="en-US" sz="3600" b="1">
-                <a:ln w="11430"/>
-                <a:solidFill>
-                  <a:schemeClr val="bg1"/>
-                </a:solidFill>
-                <a:effectLst>
-                  <a:glow rad="127000">
-                    <a:prstClr val="black"/>
-                  </a:glow>
-                  <a:outerShdw blurRad="50800" dist="39000" dir="5460000" algn="tl">
-                    <a:srgbClr val="000000">
-                      <a:alpha val="38000"/>
-                    </a:srgbClr>
-                  </a:outerShdw>
-                </a:effectLst>
-                <a:latin typeface="VNI-Timfani-Heavy" pitchFamily="2" charset="0"/>
-              </a:rPr>
-              <a:t>CHUÙA</a:t>
+                <a:latin typeface="VNI-Times" pitchFamily="2" charset="0"/>
+              </a:rPr>
+              <a:t>CUØNG CHUÙC TOÂN CHUÙA</a:t>
             </a:r>
           </a:p>
         </p:txBody>
@@ -2530,13 +2480,6 @@
   <p:transition spd="slow">
     <p:randomBar dir="vert"/>
   </p:transition>
-  <p:timing>
-    <p:tnLst>
-      <p:par>
-        <p:cTn id="1" dur="indefinite" restart="never" nodeType="tmRoot"/>
-      </p:par>
-    </p:tnLst>
-  </p:timing>
 </p:sld>
 </file>
 
@@ -2582,101 +2525,101 @@
             <a:pPr algn="ctr"/>
             <a:r>
               <a:rPr lang="en-US" sz="6600" b="1" dirty="0" err="1">
-                <a:latin typeface="HP-Aptima" pitchFamily="34" charset="0"/>
-              </a:rPr>
-              <a:t>H</a:t>
-            </a:r>
-            <a:r>
-              <a:rPr lang="en-US" sz="6600" b="1" smtClean="0">
-                <a:latin typeface="HP-Aptima" pitchFamily="34" charset="0"/>
-              </a:rPr>
-              <a:t>oøa </a:t>
-            </a:r>
-            <a:r>
-              <a:rPr lang="en-US" sz="6600" b="1" dirty="0" err="1" smtClean="0">
-                <a:latin typeface="HP-Aptima" pitchFamily="34" charset="0"/>
+                <a:latin typeface="VNI-Times" pitchFamily="2" charset="0"/>
+              </a:rPr>
+              <a:t>Hoøa</a:t>
+            </a:r>
+            <a:r>
+              <a:rPr lang="en-US" sz="6600" b="1" dirty="0">
+                <a:latin typeface="VNI-Times" pitchFamily="2" charset="0"/>
+              </a:rPr>
+              <a:t> </a:t>
+            </a:r>
+            <a:r>
+              <a:rPr lang="en-US" sz="6600" b="1" dirty="0" err="1">
+                <a:latin typeface="VNI-Times" pitchFamily="2" charset="0"/>
               </a:rPr>
               <a:t>nhòp</a:t>
             </a:r>
             <a:r>
-              <a:rPr lang="en-US" sz="6600" b="1" dirty="0" smtClean="0">
-                <a:latin typeface="HP-Aptima" pitchFamily="34" charset="0"/>
-              </a:rPr>
-              <a:t> </a:t>
-            </a:r>
-            <a:r>
-              <a:rPr lang="en-US" sz="6600" b="1" dirty="0" err="1" smtClean="0">
-                <a:latin typeface="HP-Aptima" pitchFamily="34" charset="0"/>
+              <a:rPr lang="en-US" sz="6600" b="1" dirty="0">
+                <a:latin typeface="VNI-Times" pitchFamily="2" charset="0"/>
+              </a:rPr>
+              <a:t> </a:t>
+            </a:r>
+            <a:r>
+              <a:rPr lang="en-US" sz="6600" b="1" dirty="0" err="1">
+                <a:latin typeface="VNI-Times" pitchFamily="2" charset="0"/>
               </a:rPr>
               <a:t>ñaøn</a:t>
             </a:r>
             <a:r>
-              <a:rPr lang="en-US" sz="6600" b="1" dirty="0" smtClean="0">
-                <a:latin typeface="HP-Aptima" pitchFamily="34" charset="0"/>
+              <a:rPr lang="en-US" sz="6600" b="1" dirty="0">
+                <a:latin typeface="VNI-Times" pitchFamily="2" charset="0"/>
               </a:rPr>
               <a:t> </a:t>
             </a:r>
             <a:br>
-              <a:rPr lang="en-US" sz="6600" b="1" dirty="0" smtClean="0">
-                <a:latin typeface="HP-Aptima" pitchFamily="34" charset="0"/>
+              <a:rPr lang="en-US" sz="6600" b="1" dirty="0">
+                <a:latin typeface="VNI-Times" pitchFamily="2" charset="0"/>
               </a:rPr>
             </a:br>
             <a:r>
-              <a:rPr lang="en-US" sz="6600" b="1" dirty="0" smtClean="0">
-                <a:latin typeface="HP-Aptima" pitchFamily="34" charset="0"/>
+              <a:rPr lang="en-US" sz="6600" b="1" dirty="0">
+                <a:latin typeface="VNI-Times" pitchFamily="2" charset="0"/>
               </a:rPr>
               <a:t>ca </a:t>
             </a:r>
             <a:r>
-              <a:rPr lang="en-US" sz="6600" b="1" dirty="0" err="1" smtClean="0">
-                <a:latin typeface="HP-Aptima" pitchFamily="34" charset="0"/>
+              <a:rPr lang="en-US" sz="6600" b="1" dirty="0" err="1">
+                <a:latin typeface="VNI-Times" pitchFamily="2" charset="0"/>
               </a:rPr>
               <a:t>ngôïi</a:t>
             </a:r>
             <a:r>
-              <a:rPr lang="en-US" sz="6600" b="1" dirty="0" smtClean="0">
-                <a:latin typeface="HP-Aptima" pitchFamily="34" charset="0"/>
-              </a:rPr>
-              <a:t> </a:t>
-            </a:r>
-            <a:r>
-              <a:rPr lang="en-US" sz="6600" b="1" dirty="0" err="1" smtClean="0">
-                <a:latin typeface="HP-Aptima" pitchFamily="34" charset="0"/>
+              <a:rPr lang="en-US" sz="6600" b="1" dirty="0">
+                <a:latin typeface="VNI-Times" pitchFamily="2" charset="0"/>
+              </a:rPr>
+              <a:t> </a:t>
+            </a:r>
+            <a:r>
+              <a:rPr lang="en-US" sz="6600" b="1" dirty="0" err="1">
+                <a:latin typeface="VNI-Times" pitchFamily="2" charset="0"/>
               </a:rPr>
               <a:t>danh</a:t>
             </a:r>
             <a:r>
-              <a:rPr lang="en-US" sz="6600" b="1" dirty="0" smtClean="0">
-                <a:latin typeface="HP-Aptima" pitchFamily="34" charset="0"/>
+              <a:rPr lang="en-US" sz="6600" b="1" dirty="0">
+                <a:latin typeface="VNI-Times" pitchFamily="2" charset="0"/>
               </a:rPr>
               <a:t> </a:t>
             </a:r>
             <a:br>
-              <a:rPr lang="en-US" sz="6600" b="1" dirty="0" smtClean="0">
-                <a:latin typeface="HP-Aptima" pitchFamily="34" charset="0"/>
+              <a:rPr lang="en-US" sz="6600" b="1" dirty="0">
+                <a:latin typeface="VNI-Times" pitchFamily="2" charset="0"/>
               </a:rPr>
             </a:br>
             <a:r>
-              <a:rPr lang="en-US" sz="6600" b="1" dirty="0" err="1" smtClean="0">
-                <a:latin typeface="HP-Aptima" pitchFamily="34" charset="0"/>
+              <a:rPr lang="en-US" sz="6600" b="1" dirty="0" err="1">
+                <a:latin typeface="VNI-Times" pitchFamily="2" charset="0"/>
               </a:rPr>
               <a:t>Vua</a:t>
             </a:r>
             <a:r>
-              <a:rPr lang="en-US" sz="6600" b="1" dirty="0" smtClean="0">
-                <a:latin typeface="HP-Aptima" pitchFamily="34" charset="0"/>
-              </a:rPr>
-              <a:t> </a:t>
-            </a:r>
-            <a:r>
-              <a:rPr lang="en-US" sz="6600" b="1" dirty="0" err="1" smtClean="0">
-                <a:latin typeface="HP-Aptima" pitchFamily="34" charset="0"/>
+              <a:rPr lang="en-US" sz="6600" b="1" dirty="0">
+                <a:latin typeface="VNI-Times" pitchFamily="2" charset="0"/>
+              </a:rPr>
+              <a:t> </a:t>
+            </a:r>
+            <a:r>
+              <a:rPr lang="en-US" sz="6600" b="1" dirty="0" err="1">
+                <a:latin typeface="VNI-Times" pitchFamily="2" charset="0"/>
               </a:rPr>
               <a:t>Thaùnh</a:t>
             </a:r>
             <a:r>
-              <a:rPr lang="en-US" sz="6600" b="1" dirty="0" smtClean="0">
-                <a:latin typeface="HP-Aptima" pitchFamily="34" charset="0"/>
+              <a:rPr lang="en-US" sz="6600" b="1" dirty="0">
+                <a:latin typeface="VNI-Times" pitchFamily="2" charset="0"/>
               </a:rPr>
               <a:t>. </a:t>
             </a:r>
@@ -2707,7 +2650,7 @@
           <a:p>
             <a:pPr algn="ctr"/>
             <a:r>
-              <a:rPr lang="en-US" sz="3600" b="1">
+              <a:rPr lang="en-US" sz="3600" b="1" dirty="0">
                 <a:ln w="11430"/>
                 <a:solidFill>
                   <a:schemeClr val="bg1"/>
@@ -2722,49 +2665,9 @@
                     </a:srgbClr>
                   </a:outerShdw>
                 </a:effectLst>
-                <a:latin typeface="VNI-Timfani-Heavy" pitchFamily="2" charset="0"/>
-              </a:rPr>
-              <a:t>CUØNG CHUÙC </a:t>
-            </a:r>
-            <a:r>
-              <a:rPr lang="en-US" sz="3600" b="1" smtClean="0">
-                <a:ln w="11430"/>
-                <a:solidFill>
-                  <a:schemeClr val="bg1"/>
-                </a:solidFill>
-                <a:effectLst>
-                  <a:glow rad="127000">
-                    <a:prstClr val="black"/>
-                  </a:glow>
-                  <a:outerShdw blurRad="50800" dist="39000" dir="5460000" algn="tl">
-                    <a:srgbClr val="000000">
-                      <a:alpha val="38000"/>
-                    </a:srgbClr>
-                  </a:outerShdw>
-                </a:effectLst>
-                <a:latin typeface="VNI-Timfani-Heavy" pitchFamily="2" charset="0"/>
-              </a:rPr>
-              <a:t>TOÂN </a:t>
-            </a:r>
-            <a:r>
-              <a:rPr lang="en-US" sz="3600" b="1">
-                <a:ln w="11430"/>
-                <a:solidFill>
-                  <a:schemeClr val="bg1"/>
-                </a:solidFill>
-                <a:effectLst>
-                  <a:glow rad="127000">
-                    <a:prstClr val="black"/>
-                  </a:glow>
-                  <a:outerShdw blurRad="50800" dist="39000" dir="5460000" algn="tl">
-                    <a:srgbClr val="000000">
-                      <a:alpha val="38000"/>
-                    </a:srgbClr>
-                  </a:outerShdw>
-                </a:effectLst>
-                <a:latin typeface="VNI-Timfani-Heavy" pitchFamily="2" charset="0"/>
-              </a:rPr>
-              <a:t>CHUÙA</a:t>
+                <a:latin typeface="VNI-Times" pitchFamily="2" charset="0"/>
+              </a:rPr>
+              <a:t>CUØNG CHUÙC TOÂN CHUÙA</a:t>
             </a:r>
           </a:p>
         </p:txBody>
@@ -2775,13 +2678,6 @@
     <a:masterClrMapping/>
   </p:clrMapOvr>
   <p:transition/>
-  <p:timing>
-    <p:tnLst>
-      <p:par>
-        <p:cTn id="1" dur="indefinite" restart="never" nodeType="tmRoot"/>
-      </p:par>
-    </p:tnLst>
-  </p:timing>
 </p:sld>
 </file>
 
@@ -2826,144 +2722,144 @@
           <a:p>
             <a:pPr algn="ctr"/>
             <a:r>
-              <a:rPr lang="en-US" sz="6600" b="1" dirty="0" err="1" smtClean="0">
-                <a:latin typeface="HP-Aptima" pitchFamily="34" charset="0"/>
+              <a:rPr lang="en-US" sz="6600" b="1" dirty="0" err="1">
+                <a:latin typeface="VNI-Times" pitchFamily="2" charset="0"/>
               </a:rPr>
               <a:t>Ngaøi</a:t>
             </a:r>
             <a:r>
-              <a:rPr lang="en-US" sz="6600" b="1" dirty="0" smtClean="0">
-                <a:latin typeface="HP-Aptima" pitchFamily="34" charset="0"/>
-              </a:rPr>
-              <a:t> </a:t>
-            </a:r>
-            <a:r>
-              <a:rPr lang="en-US" sz="6600" b="1" dirty="0" err="1" smtClean="0">
-                <a:latin typeface="HP-Aptima" pitchFamily="34" charset="0"/>
+              <a:rPr lang="en-US" sz="6600" b="1" dirty="0">
+                <a:latin typeface="VNI-Times" pitchFamily="2" charset="0"/>
+              </a:rPr>
+              <a:t> </a:t>
+            </a:r>
+            <a:r>
+              <a:rPr lang="en-US" sz="6600" b="1" dirty="0" err="1">
+                <a:latin typeface="VNI-Times" pitchFamily="2" charset="0"/>
               </a:rPr>
               <a:t>laø</a:t>
             </a:r>
             <a:r>
-              <a:rPr lang="en-US" sz="6600" b="1" dirty="0" smtClean="0">
-                <a:latin typeface="HP-Aptima" pitchFamily="34" charset="0"/>
-              </a:rPr>
-              <a:t> </a:t>
-            </a:r>
-            <a:r>
-              <a:rPr lang="en-US" sz="6600" b="1" dirty="0" err="1" smtClean="0">
-                <a:latin typeface="HP-Aptima" pitchFamily="34" charset="0"/>
+              <a:rPr lang="en-US" sz="6600" b="1" dirty="0">
+                <a:latin typeface="VNI-Times" pitchFamily="2" charset="0"/>
+              </a:rPr>
+              <a:t> </a:t>
+            </a:r>
+            <a:r>
+              <a:rPr lang="en-US" sz="6600" b="1" dirty="0" err="1">
+                <a:latin typeface="VNI-Times" pitchFamily="2" charset="0"/>
               </a:rPr>
               <a:t>Vua</a:t>
             </a:r>
             <a:r>
-              <a:rPr lang="en-US" sz="6600" b="1" dirty="0" smtClean="0">
-                <a:latin typeface="HP-Aptima" pitchFamily="34" charset="0"/>
-              </a:rPr>
-              <a:t> </a:t>
-            </a:r>
-            <a:r>
-              <a:rPr lang="en-US" sz="6600" b="1" dirty="0" err="1" smtClean="0">
-                <a:latin typeface="HP-Aptima" pitchFamily="34" charset="0"/>
+              <a:rPr lang="en-US" sz="6600" b="1" dirty="0">
+                <a:latin typeface="VNI-Times" pitchFamily="2" charset="0"/>
+              </a:rPr>
+              <a:t> </a:t>
+            </a:r>
+            <a:r>
+              <a:rPr lang="en-US" sz="6600" b="1" dirty="0" err="1">
+                <a:latin typeface="VNI-Times" pitchFamily="2" charset="0"/>
               </a:rPr>
               <a:t>ñôøi</a:t>
             </a:r>
             <a:r>
-              <a:rPr lang="en-US" sz="6600" b="1" dirty="0" smtClean="0">
-                <a:latin typeface="HP-Aptima" pitchFamily="34" charset="0"/>
-              </a:rPr>
-              <a:t> </a:t>
-            </a:r>
-            <a:r>
-              <a:rPr lang="en-US" sz="6600" b="1" err="1" smtClean="0">
-                <a:latin typeface="HP-Aptima" pitchFamily="34" charset="0"/>
+              <a:rPr lang="en-US" sz="6600" b="1" dirty="0">
+                <a:latin typeface="VNI-Times" pitchFamily="2" charset="0"/>
+              </a:rPr>
+              <a:t> </a:t>
+            </a:r>
+            <a:r>
+              <a:rPr lang="en-US" sz="6600" b="1" dirty="0" err="1">
+                <a:latin typeface="VNI-Times" pitchFamily="2" charset="0"/>
               </a:rPr>
               <a:t>ñôøi</a:t>
             </a:r>
             <a:r>
-              <a:rPr lang="en-US" sz="6600" b="1" smtClean="0">
-                <a:latin typeface="HP-Aptima" pitchFamily="34" charset="0"/>
+              <a:rPr lang="en-US" sz="6600" b="1" dirty="0">
+                <a:latin typeface="VNI-Times" pitchFamily="2" charset="0"/>
               </a:rPr>
               <a:t> </a:t>
             </a:r>
             <a:br>
-              <a:rPr lang="en-US" sz="6600" b="1" smtClean="0">
-                <a:latin typeface="HP-Aptima" pitchFamily="34" charset="0"/>
+              <a:rPr lang="en-US" sz="6600" b="1" dirty="0">
+                <a:latin typeface="VNI-Times" pitchFamily="2" charset="0"/>
               </a:rPr>
             </a:br>
             <a:r>
-              <a:rPr lang="en-US" sz="6600" b="1" smtClean="0">
-                <a:latin typeface="HP-Aptima" pitchFamily="34" charset="0"/>
-              </a:rPr>
-              <a:t>chí </a:t>
-            </a:r>
-            <a:r>
-              <a:rPr lang="en-US" sz="6600" b="1" dirty="0" err="1" smtClean="0">
-                <a:latin typeface="HP-Aptima" pitchFamily="34" charset="0"/>
+              <a:rPr lang="en-US" sz="6600" b="1" dirty="0" err="1">
+                <a:latin typeface="VNI-Times" pitchFamily="2" charset="0"/>
+              </a:rPr>
+              <a:t>chí</a:t>
+            </a:r>
+            <a:r>
+              <a:rPr lang="en-US" sz="6600" b="1" dirty="0">
+                <a:latin typeface="VNI-Times" pitchFamily="2" charset="0"/>
+              </a:rPr>
+              <a:t> </a:t>
+            </a:r>
+            <a:r>
+              <a:rPr lang="en-US" sz="6600" b="1" dirty="0" err="1">
+                <a:latin typeface="VNI-Times" pitchFamily="2" charset="0"/>
               </a:rPr>
               <a:t>cao</a:t>
             </a:r>
             <a:r>
-              <a:rPr lang="en-US" sz="6600" b="1" dirty="0" smtClean="0">
-                <a:latin typeface="HP-Aptima" pitchFamily="34" charset="0"/>
+              <a:rPr lang="en-US" sz="6600" b="1" dirty="0">
+                <a:latin typeface="VNI-Times" pitchFamily="2" charset="0"/>
               </a:rPr>
               <a:t>, </a:t>
             </a:r>
             <a:r>
-              <a:rPr lang="en-US" sz="6600" b="1" dirty="0" err="1" smtClean="0">
-                <a:latin typeface="HP-Aptima" pitchFamily="34" charset="0"/>
+              <a:rPr lang="en-US" sz="6600" b="1" dirty="0" err="1">
+                <a:latin typeface="VNI-Times" pitchFamily="2" charset="0"/>
               </a:rPr>
               <a:t>naøo</a:t>
             </a:r>
             <a:r>
-              <a:rPr lang="en-US" sz="6600" b="1" dirty="0" smtClean="0">
-                <a:latin typeface="HP-Aptima" pitchFamily="34" charset="0"/>
-              </a:rPr>
-              <a:t> </a:t>
-            </a:r>
-            <a:r>
-              <a:rPr lang="en-US" sz="6600" b="1" dirty="0" err="1" smtClean="0">
-                <a:latin typeface="HP-Aptima" pitchFamily="34" charset="0"/>
-              </a:rPr>
-              <a:t>ta</a:t>
-            </a:r>
-            <a:r>
-              <a:rPr lang="en-US" sz="6600" b="1" dirty="0" smtClean="0">
-                <a:latin typeface="HP-Aptima" pitchFamily="34" charset="0"/>
-              </a:rPr>
-              <a:t> </a:t>
-            </a:r>
-            <a:r>
-              <a:rPr lang="en-US" sz="6600" b="1" err="1" smtClean="0">
-                <a:latin typeface="HP-Aptima" pitchFamily="34" charset="0"/>
+              <a:rPr lang="en-US" sz="6600" b="1" dirty="0">
+                <a:latin typeface="VNI-Times" pitchFamily="2" charset="0"/>
+              </a:rPr>
+              <a:t> ta </a:t>
+            </a:r>
+            <a:r>
+              <a:rPr lang="en-US" sz="6600" b="1" dirty="0" err="1">
+                <a:latin typeface="VNI-Times" pitchFamily="2" charset="0"/>
               </a:rPr>
               <a:t>haõy</a:t>
             </a:r>
             <a:r>
-              <a:rPr lang="en-US" sz="6600" b="1" smtClean="0">
-                <a:latin typeface="HP-Aptima" pitchFamily="34" charset="0"/>
+              <a:rPr lang="en-US" sz="6600" b="1" dirty="0">
+                <a:latin typeface="VNI-Times" pitchFamily="2" charset="0"/>
               </a:rPr>
               <a:t> </a:t>
             </a:r>
             <a:br>
-              <a:rPr lang="en-US" sz="6600" b="1" smtClean="0">
-                <a:latin typeface="HP-Aptima" pitchFamily="34" charset="0"/>
+              <a:rPr lang="en-US" sz="6600" b="1" dirty="0">
+                <a:latin typeface="VNI-Times" pitchFamily="2" charset="0"/>
               </a:rPr>
             </a:br>
             <a:r>
-              <a:rPr lang="en-US" sz="6600" b="1" smtClean="0">
-                <a:latin typeface="HP-Aptima" pitchFamily="34" charset="0"/>
-              </a:rPr>
-              <a:t>thôø </a:t>
-            </a:r>
-            <a:r>
-              <a:rPr lang="en-US" sz="6600" b="1" dirty="0" err="1" smtClean="0">
-                <a:latin typeface="HP-Aptima" pitchFamily="34" charset="0"/>
+              <a:rPr lang="en-US" sz="6600" b="1" dirty="0" err="1">
+                <a:latin typeface="VNI-Times" pitchFamily="2" charset="0"/>
+              </a:rPr>
+              <a:t>thôø</a:t>
+            </a:r>
+            <a:r>
+              <a:rPr lang="en-US" sz="6600" b="1" dirty="0">
+                <a:latin typeface="VNI-Times" pitchFamily="2" charset="0"/>
+              </a:rPr>
+              <a:t> </a:t>
+            </a:r>
+            <a:r>
+              <a:rPr lang="en-US" sz="6600" b="1" dirty="0" err="1">
+                <a:latin typeface="VNI-Times" pitchFamily="2" charset="0"/>
               </a:rPr>
               <a:t>toân</a:t>
             </a:r>
             <a:r>
-              <a:rPr lang="en-US" sz="6600" b="1" dirty="0" smtClean="0">
-                <a:latin typeface="HP-Aptima" pitchFamily="34" charset="0"/>
+              <a:rPr lang="en-US" sz="6600" b="1" dirty="0">
+                <a:latin typeface="VNI-Times" pitchFamily="2" charset="0"/>
               </a:rPr>
               <a:t>. </a:t>
             </a:r>
@@ -2994,7 +2890,7 @@
           <a:p>
             <a:pPr algn="ctr"/>
             <a:r>
-              <a:rPr lang="en-US" sz="3600" b="1">
+              <a:rPr lang="en-US" sz="3600" b="1" dirty="0">
                 <a:ln w="11430"/>
                 <a:solidFill>
                   <a:schemeClr val="bg1"/>
@@ -3009,49 +2905,9 @@
                     </a:srgbClr>
                   </a:outerShdw>
                 </a:effectLst>
-                <a:latin typeface="VNI-Timfani-Heavy" pitchFamily="2" charset="0"/>
-              </a:rPr>
-              <a:t>CUØNG CHUÙC </a:t>
-            </a:r>
-            <a:r>
-              <a:rPr lang="en-US" sz="3600" b="1" smtClean="0">
-                <a:ln w="11430"/>
-                <a:solidFill>
-                  <a:schemeClr val="bg1"/>
-                </a:solidFill>
-                <a:effectLst>
-                  <a:glow rad="127000">
-                    <a:prstClr val="black"/>
-                  </a:glow>
-                  <a:outerShdw blurRad="50800" dist="39000" dir="5460000" algn="tl">
-                    <a:srgbClr val="000000">
-                      <a:alpha val="38000"/>
-                    </a:srgbClr>
-                  </a:outerShdw>
-                </a:effectLst>
-                <a:latin typeface="VNI-Timfani-Heavy" pitchFamily="2" charset="0"/>
-              </a:rPr>
-              <a:t>TOÂN </a:t>
-            </a:r>
-            <a:r>
-              <a:rPr lang="en-US" sz="3600" b="1">
-                <a:ln w="11430"/>
-                <a:solidFill>
-                  <a:schemeClr val="bg1"/>
-                </a:solidFill>
-                <a:effectLst>
-                  <a:glow rad="127000">
-                    <a:prstClr val="black"/>
-                  </a:glow>
-                  <a:outerShdw blurRad="50800" dist="39000" dir="5460000" algn="tl">
-                    <a:srgbClr val="000000">
-                      <a:alpha val="38000"/>
-                    </a:srgbClr>
-                  </a:outerShdw>
-                </a:effectLst>
-                <a:latin typeface="VNI-Timfani-Heavy" pitchFamily="2" charset="0"/>
-              </a:rPr>
-              <a:t>CHUÙA</a:t>
+                <a:latin typeface="VNI-Times" pitchFamily="2" charset="0"/>
+              </a:rPr>
+              <a:t>CUØNG CHUÙC TOÂN CHUÙA</a:t>
             </a:r>
           </a:p>
         </p:txBody>
@@ -3062,13 +2918,6 @@
     <a:masterClrMapping/>
   </p:clrMapOvr>
   <p:transition/>
-  <p:timing>
-    <p:tnLst>
-      <p:par>
-        <p:cTn id="1" dur="indefinite" restart="never" nodeType="tmRoot"/>
-      </p:par>
-    </p:tnLst>
-  </p:timing>
 </p:sld>
 </file>
 
@@ -3113,110 +2962,104 @@
           <a:p>
             <a:pPr algn="ctr"/>
             <a:r>
-              <a:rPr lang="en-US" sz="6600" b="1" dirty="0" err="1" smtClean="0">
-                <a:latin typeface="HP-Aptima" pitchFamily="34" charset="0"/>
+              <a:rPr lang="en-US" sz="6600" b="1" dirty="0" err="1">
+                <a:latin typeface="VNI-Times" pitchFamily="2" charset="0"/>
               </a:rPr>
               <a:t>Daâng</a:t>
             </a:r>
             <a:r>
-              <a:rPr lang="en-US" sz="6600" b="1" dirty="0" smtClean="0">
-                <a:latin typeface="HP-Aptima" pitchFamily="34" charset="0"/>
-              </a:rPr>
-              <a:t> </a:t>
-            </a:r>
-            <a:r>
-              <a:rPr lang="en-US" sz="6600" b="1" dirty="0" err="1" smtClean="0">
-                <a:latin typeface="HP-Aptima" pitchFamily="34" charset="0"/>
+              <a:rPr lang="en-US" sz="6600" b="1" dirty="0">
+                <a:latin typeface="VNI-Times" pitchFamily="2" charset="0"/>
+              </a:rPr>
+              <a:t> </a:t>
+            </a:r>
+            <a:r>
+              <a:rPr lang="en-US" sz="6600" b="1" dirty="0" err="1">
+                <a:latin typeface="VNI-Times" pitchFamily="2" charset="0"/>
               </a:rPr>
               <a:t>leân</a:t>
             </a:r>
             <a:r>
-              <a:rPr lang="en-US" sz="6600" b="1" dirty="0" smtClean="0">
-                <a:latin typeface="HP-Aptima" pitchFamily="34" charset="0"/>
-              </a:rPr>
-              <a:t> </a:t>
-            </a:r>
-            <a:r>
-              <a:rPr lang="en-US" sz="6600" b="1" err="1" smtClean="0">
-                <a:latin typeface="HP-Aptima" pitchFamily="34" charset="0"/>
+              <a:rPr lang="en-US" sz="6600" b="1" dirty="0">
+                <a:latin typeface="VNI-Times" pitchFamily="2" charset="0"/>
+              </a:rPr>
+              <a:t> </a:t>
+            </a:r>
+            <a:r>
+              <a:rPr lang="en-US" sz="6600" b="1" dirty="0" err="1">
+                <a:latin typeface="VNI-Times" pitchFamily="2" charset="0"/>
               </a:rPr>
               <a:t>Ngaøi</a:t>
             </a:r>
             <a:r>
-              <a:rPr lang="en-US" sz="6600" b="1" smtClean="0">
-                <a:latin typeface="HP-Aptima" pitchFamily="34" charset="0"/>
+              <a:rPr lang="en-US" sz="6600" b="1" dirty="0">
+                <a:latin typeface="VNI-Times" pitchFamily="2" charset="0"/>
               </a:rPr>
               <a:t> </a:t>
             </a:r>
             <a:br>
-              <a:rPr lang="en-US" sz="6600" b="1" smtClean="0">
-                <a:latin typeface="HP-Aptima" pitchFamily="34" charset="0"/>
+              <a:rPr lang="en-US" sz="6600" b="1" dirty="0">
+                <a:latin typeface="VNI-Times" pitchFamily="2" charset="0"/>
               </a:rPr>
             </a:br>
             <a:r>
-              <a:rPr lang="en-US" sz="6600" b="1" smtClean="0">
-                <a:latin typeface="HP-Aptima" pitchFamily="34" charset="0"/>
+              <a:rPr lang="en-US" sz="6600" b="1" dirty="0">
+                <a:latin typeface="VNI-Times" pitchFamily="2" charset="0"/>
               </a:rPr>
               <a:t>tin </a:t>
             </a:r>
             <a:r>
-              <a:rPr lang="en-US" sz="6600" b="1" dirty="0" err="1" smtClean="0">
-                <a:latin typeface="HP-Aptima" pitchFamily="34" charset="0"/>
+              <a:rPr lang="en-US" sz="6600" b="1" dirty="0" err="1">
+                <a:latin typeface="VNI-Times" pitchFamily="2" charset="0"/>
               </a:rPr>
               <a:t>yeâu</a:t>
             </a:r>
             <a:r>
-              <a:rPr lang="en-US" sz="6600" b="1" dirty="0" smtClean="0">
-                <a:latin typeface="HP-Aptima" pitchFamily="34" charset="0"/>
-              </a:rPr>
-              <a:t> </a:t>
-            </a:r>
-            <a:r>
-              <a:rPr lang="en-US" sz="6600" b="1" err="1" smtClean="0">
-                <a:latin typeface="HP-Aptima" pitchFamily="34" charset="0"/>
+              <a:rPr lang="en-US" sz="6600" b="1" dirty="0">
+                <a:latin typeface="VNI-Times" pitchFamily="2" charset="0"/>
+              </a:rPr>
+              <a:t> </a:t>
+            </a:r>
+            <a:r>
+              <a:rPr lang="en-US" sz="6600" b="1" dirty="0" err="1">
+                <a:latin typeface="VNI-Times" pitchFamily="2" charset="0"/>
               </a:rPr>
               <a:t>töø</a:t>
             </a:r>
             <a:r>
-              <a:rPr lang="en-US" sz="6600" b="1" smtClean="0">
-                <a:latin typeface="HP-Aptima" pitchFamily="34" charset="0"/>
+              <a:rPr lang="en-US" sz="6600" b="1" dirty="0">
+                <a:latin typeface="VNI-Times" pitchFamily="2" charset="0"/>
               </a:rPr>
               <a:t> </a:t>
             </a:r>
             <a:br>
-              <a:rPr lang="en-US" sz="6600" b="1" smtClean="0">
-                <a:latin typeface="HP-Aptima" pitchFamily="34" charset="0"/>
+              <a:rPr lang="en-US" sz="6600" b="1" dirty="0">
+                <a:latin typeface="VNI-Times" pitchFamily="2" charset="0"/>
               </a:rPr>
             </a:br>
             <a:r>
-              <a:rPr lang="en-US" sz="6600" b="1" smtClean="0">
-                <a:latin typeface="HP-Aptima" pitchFamily="34" charset="0"/>
-              </a:rPr>
-              <a:t>taâm </a:t>
-            </a:r>
-            <a:r>
-              <a:rPr lang="en-US" sz="6600" b="1" dirty="0" err="1" smtClean="0">
-                <a:latin typeface="HP-Aptima" pitchFamily="34" charset="0"/>
+              <a:rPr lang="en-US" sz="6600" b="1" dirty="0" err="1">
+                <a:latin typeface="VNI-Times" pitchFamily="2" charset="0"/>
+              </a:rPr>
+              <a:t>taâm</a:t>
+            </a:r>
+            <a:r>
+              <a:rPr lang="en-US" sz="6600" b="1" dirty="0">
+                <a:latin typeface="VNI-Times" pitchFamily="2" charset="0"/>
+              </a:rPr>
+              <a:t> </a:t>
+            </a:r>
+            <a:r>
+              <a:rPr lang="en-US" sz="6600" b="1" dirty="0" err="1">
+                <a:latin typeface="VNI-Times" pitchFamily="2" charset="0"/>
               </a:rPr>
               <a:t>hoàn</a:t>
             </a:r>
             <a:r>
-              <a:rPr lang="en-US" sz="6600" b="1" dirty="0" smtClean="0">
-                <a:latin typeface="HP-Aptima" pitchFamily="34" charset="0"/>
-              </a:rPr>
-              <a:t> </a:t>
-            </a:r>
-            <a:r>
-              <a:rPr lang="en-US" sz="6600" b="1" dirty="0" err="1" smtClean="0">
-                <a:latin typeface="HP-Aptima" pitchFamily="34" charset="0"/>
-              </a:rPr>
-              <a:t>ta</a:t>
-            </a:r>
-            <a:r>
-              <a:rPr lang="en-US" sz="6600" b="1" dirty="0" smtClean="0">
-                <a:latin typeface="HP-Aptima" pitchFamily="34" charset="0"/>
-              </a:rPr>
-              <a:t>.</a:t>
+              <a:rPr lang="en-US" sz="6600" b="1" dirty="0">
+                <a:latin typeface="VNI-Times" pitchFamily="2" charset="0"/>
+              </a:rPr>
+              <a:t> ta.</a:t>
             </a:r>
           </a:p>
         </p:txBody>
@@ -3245,7 +3088,7 @@
           <a:p>
             <a:pPr algn="ctr"/>
             <a:r>
-              <a:rPr lang="en-US" sz="3600" b="1">
+              <a:rPr lang="en-US" sz="3600" b="1" dirty="0">
                 <a:ln w="11430"/>
                 <a:solidFill>
                   <a:schemeClr val="bg1"/>
@@ -3260,49 +3103,9 @@
                     </a:srgbClr>
                   </a:outerShdw>
                 </a:effectLst>
-                <a:latin typeface="VNI-Timfani-Heavy" pitchFamily="2" charset="0"/>
-              </a:rPr>
-              <a:t>CUØNG CHUÙC </a:t>
-            </a:r>
-            <a:r>
-              <a:rPr lang="en-US" sz="3600" b="1" smtClean="0">
-                <a:ln w="11430"/>
-                <a:solidFill>
-                  <a:schemeClr val="bg1"/>
-                </a:solidFill>
-                <a:effectLst>
-                  <a:glow rad="127000">
-                    <a:prstClr val="black"/>
-                  </a:glow>
-                  <a:outerShdw blurRad="50800" dist="39000" dir="5460000" algn="tl">
-                    <a:srgbClr val="000000">
-                      <a:alpha val="38000"/>
-                    </a:srgbClr>
-                  </a:outerShdw>
-                </a:effectLst>
-                <a:latin typeface="VNI-Timfani-Heavy" pitchFamily="2" charset="0"/>
-              </a:rPr>
-              <a:t>TOÂN </a:t>
-            </a:r>
-            <a:r>
-              <a:rPr lang="en-US" sz="3600" b="1">
-                <a:ln w="11430"/>
-                <a:solidFill>
-                  <a:schemeClr val="bg1"/>
-                </a:solidFill>
-                <a:effectLst>
-                  <a:glow rad="127000">
-                    <a:prstClr val="black"/>
-                  </a:glow>
-                  <a:outerShdw blurRad="50800" dist="39000" dir="5460000" algn="tl">
-                    <a:srgbClr val="000000">
-                      <a:alpha val="38000"/>
-                    </a:srgbClr>
-                  </a:outerShdw>
-                </a:effectLst>
-                <a:latin typeface="VNI-Timfani-Heavy" pitchFamily="2" charset="0"/>
-              </a:rPr>
-              <a:t>CHUÙA</a:t>
+                <a:latin typeface="VNI-Times" pitchFamily="2" charset="0"/>
+              </a:rPr>
+              <a:t>CUØNG CHUÙC TOÂN CHUÙA</a:t>
             </a:r>
           </a:p>
         </p:txBody>
@@ -3313,13 +3116,6 @@
     <a:masterClrMapping/>
   </p:clrMapOvr>
   <p:transition/>
-  <p:timing>
-    <p:tnLst>
-      <p:par>
-        <p:cTn id="1" dur="indefinite" restart="never" nodeType="tmRoot"/>
-      </p:par>
-    </p:tnLst>
-  </p:timing>
 </p:sld>
 </file>
 
@@ -3364,114 +3160,120 @@
           <a:p>
             <a:pPr algn="ctr"/>
             <a:r>
-              <a:rPr lang="en-US" sz="6600" b="1" dirty="0" err="1" smtClean="0">
-                <a:latin typeface="HP-Aptima" pitchFamily="34" charset="0"/>
+              <a:rPr lang="en-US" sz="6600" b="1" dirty="0" err="1">
+                <a:latin typeface="VNI-Times" pitchFamily="2" charset="0"/>
               </a:rPr>
               <a:t>Vua</a:t>
             </a:r>
             <a:r>
-              <a:rPr lang="en-US" sz="6600" b="1" dirty="0" smtClean="0">
-                <a:latin typeface="HP-Aptima" pitchFamily="34" charset="0"/>
-              </a:rPr>
-              <a:t> </a:t>
-            </a:r>
-            <a:r>
-              <a:rPr lang="en-US" sz="6600" b="1" dirty="0" err="1" smtClean="0">
-                <a:latin typeface="HP-Aptima" pitchFamily="34" charset="0"/>
+              <a:rPr lang="en-US" sz="6600" b="1" dirty="0">
+                <a:latin typeface="VNI-Times" pitchFamily="2" charset="0"/>
+              </a:rPr>
+              <a:t> </a:t>
+            </a:r>
+            <a:r>
+              <a:rPr lang="en-US" sz="6600" b="1" dirty="0" err="1">
+                <a:latin typeface="VNI-Times" pitchFamily="2" charset="0"/>
               </a:rPr>
               <a:t>muoân</a:t>
             </a:r>
             <a:r>
-              <a:rPr lang="en-US" sz="6600" b="1" dirty="0" smtClean="0">
-                <a:latin typeface="HP-Aptima" pitchFamily="34" charset="0"/>
-              </a:rPr>
-              <a:t> </a:t>
-            </a:r>
-            <a:r>
-              <a:rPr lang="en-US" sz="6600" b="1" dirty="0" err="1" smtClean="0">
-                <a:latin typeface="HP-Aptima" pitchFamily="34" charset="0"/>
+              <a:rPr lang="en-US" sz="6600" b="1" dirty="0">
+                <a:latin typeface="VNI-Times" pitchFamily="2" charset="0"/>
+              </a:rPr>
+              <a:t> </a:t>
+            </a:r>
+            <a:r>
+              <a:rPr lang="en-US" sz="6600" b="1" dirty="0" err="1">
+                <a:latin typeface="VNI-Times" pitchFamily="2" charset="0"/>
               </a:rPr>
               <a:t>vua</a:t>
             </a:r>
             <a:r>
-              <a:rPr lang="en-US" sz="6600" b="1" dirty="0" smtClean="0">
-                <a:latin typeface="HP-Aptima" pitchFamily="34" charset="0"/>
+              <a:rPr lang="en-US" sz="6600" b="1" dirty="0">
+                <a:latin typeface="VNI-Times" pitchFamily="2" charset="0"/>
               </a:rPr>
               <a:t> </a:t>
             </a:r>
             <a:br>
-              <a:rPr lang="en-US" sz="6600" b="1" dirty="0" smtClean="0">
-                <a:latin typeface="HP-Aptima" pitchFamily="34" charset="0"/>
+              <a:rPr lang="en-US" sz="6600" b="1" dirty="0">
+                <a:latin typeface="VNI-Times" pitchFamily="2" charset="0"/>
               </a:rPr>
             </a:br>
             <a:r>
-              <a:rPr lang="en-US" sz="6600" b="1" dirty="0" err="1" smtClean="0">
-                <a:latin typeface="HP-Aptima" pitchFamily="34" charset="0"/>
+              <a:rPr lang="en-US" sz="6600" b="1" dirty="0" err="1">
+                <a:latin typeface="VNI-Times" pitchFamily="2" charset="0"/>
               </a:rPr>
               <a:t>kính</a:t>
             </a:r>
             <a:r>
-              <a:rPr lang="en-US" sz="6600" b="1" dirty="0" smtClean="0">
-                <a:latin typeface="HP-Aptima" pitchFamily="34" charset="0"/>
-              </a:rPr>
-              <a:t> </a:t>
-            </a:r>
-            <a:r>
-              <a:rPr lang="en-US" sz="6600" b="1" dirty="0" err="1" smtClean="0">
-                <a:latin typeface="HP-Aptima" pitchFamily="34" charset="0"/>
+              <a:rPr lang="en-US" sz="6600" b="1" dirty="0">
+                <a:latin typeface="VNI-Times" pitchFamily="2" charset="0"/>
+              </a:rPr>
+              <a:t> </a:t>
+            </a:r>
+            <a:r>
+              <a:rPr lang="en-US" sz="6600" b="1" dirty="0" err="1">
+                <a:latin typeface="VNI-Times" pitchFamily="2" charset="0"/>
               </a:rPr>
               <a:t>yeâu</a:t>
             </a:r>
             <a:r>
-              <a:rPr lang="en-US" sz="6600" b="1" dirty="0" smtClean="0">
-                <a:latin typeface="HP-Aptima" pitchFamily="34" charset="0"/>
+              <a:rPr lang="en-US" sz="6600" b="1" dirty="0">
+                <a:latin typeface="VNI-Times" pitchFamily="2" charset="0"/>
               </a:rPr>
               <a:t>, ca </a:t>
             </a:r>
             <a:r>
-              <a:rPr lang="en-US" sz="6600" b="1" err="1" smtClean="0">
-                <a:latin typeface="HP-Aptima" pitchFamily="34" charset="0"/>
+              <a:rPr lang="en-US" sz="6600" b="1" dirty="0" err="1">
+                <a:latin typeface="VNI-Times" pitchFamily="2" charset="0"/>
               </a:rPr>
               <a:t>khen</a:t>
             </a:r>
             <a:r>
-              <a:rPr lang="en-US" sz="6600" b="1" smtClean="0">
-                <a:latin typeface="HP-Aptima" pitchFamily="34" charset="0"/>
+              <a:rPr lang="en-US" sz="6600" b="1" dirty="0">
+                <a:latin typeface="VNI-Times" pitchFamily="2" charset="0"/>
               </a:rPr>
               <a:t> </a:t>
             </a:r>
             <a:br>
-              <a:rPr lang="en-US" sz="6600" b="1" smtClean="0">
-                <a:latin typeface="HP-Aptima" pitchFamily="34" charset="0"/>
+              <a:rPr lang="en-US" sz="6600" b="1" dirty="0">
+                <a:latin typeface="VNI-Times" pitchFamily="2" charset="0"/>
               </a:rPr>
             </a:br>
             <a:r>
-              <a:rPr lang="en-US" sz="6600" b="1" smtClean="0">
-                <a:latin typeface="HP-Aptima" pitchFamily="34" charset="0"/>
-              </a:rPr>
-              <a:t>danh </a:t>
-            </a:r>
-            <a:r>
-              <a:rPr lang="en-US" sz="6600" b="1" dirty="0" err="1" smtClean="0">
-                <a:latin typeface="HP-Aptima" pitchFamily="34" charset="0"/>
+              <a:rPr lang="en-US" sz="6600" b="1" dirty="0" err="1">
+                <a:latin typeface="VNI-Times" pitchFamily="2" charset="0"/>
+              </a:rPr>
+              <a:t>danh</a:t>
+            </a:r>
+            <a:r>
+              <a:rPr lang="en-US" sz="6600" b="1" dirty="0">
+                <a:latin typeface="VNI-Times" pitchFamily="2" charset="0"/>
+              </a:rPr>
+              <a:t> </a:t>
+            </a:r>
+            <a:r>
+              <a:rPr lang="en-US" sz="6600" b="1" dirty="0" err="1">
+                <a:latin typeface="VNI-Times" pitchFamily="2" charset="0"/>
               </a:rPr>
               <a:t>thaùnh</a:t>
             </a:r>
             <a:r>
-              <a:rPr lang="en-US" sz="6600" b="1" dirty="0" smtClean="0">
-                <a:latin typeface="HP-Aptima" pitchFamily="34" charset="0"/>
-              </a:rPr>
-              <a:t> </a:t>
-            </a:r>
-            <a:r>
-              <a:rPr lang="en-US" sz="6600" b="1" dirty="0" err="1" smtClean="0">
-                <a:latin typeface="HP-Aptima" pitchFamily="34" charset="0"/>
+              <a:rPr lang="en-US" sz="6600" b="1" dirty="0">
+                <a:latin typeface="VNI-Times" pitchFamily="2" charset="0"/>
+              </a:rPr>
+              <a:t> </a:t>
+            </a:r>
+            <a:r>
+              <a:rPr lang="en-US" sz="6600" b="1" dirty="0" err="1">
+                <a:latin typeface="VNI-Times" pitchFamily="2" charset="0"/>
               </a:rPr>
               <a:t>Ngaøi</a:t>
             </a:r>
             <a:r>
-              <a:rPr lang="en-US" sz="6600" b="1" dirty="0" smtClean="0">
-                <a:latin typeface="HP-Aptima" pitchFamily="34" charset="0"/>
+              <a:rPr lang="en-US" sz="6600" b="1" dirty="0">
+                <a:latin typeface="VNI-Times" pitchFamily="2" charset="0"/>
               </a:rPr>
               <a:t>. </a:t>
             </a:r>
@@ -3502,7 +3304,7 @@
           <a:p>
             <a:pPr algn="ctr"/>
             <a:r>
-              <a:rPr lang="en-US" sz="3600" b="1">
+              <a:rPr lang="en-US" sz="3600" b="1" dirty="0">
                 <a:ln w="11430"/>
                 <a:solidFill>
                   <a:schemeClr val="bg1"/>
@@ -3517,49 +3319,9 @@
                     </a:srgbClr>
                   </a:outerShdw>
                 </a:effectLst>
-                <a:latin typeface="VNI-Timfani-Heavy" pitchFamily="2" charset="0"/>
-              </a:rPr>
-              <a:t>CUØNG CHUÙC </a:t>
-            </a:r>
-            <a:r>
-              <a:rPr lang="en-US" sz="3600" b="1" smtClean="0">
-                <a:ln w="11430"/>
-                <a:solidFill>
-                  <a:schemeClr val="bg1"/>
-                </a:solidFill>
-                <a:effectLst>
-                  <a:glow rad="127000">
-                    <a:prstClr val="black"/>
-                  </a:glow>
-                  <a:outerShdw blurRad="50800" dist="39000" dir="5460000" algn="tl">
-                    <a:srgbClr val="000000">
-                      <a:alpha val="38000"/>
-                    </a:srgbClr>
-                  </a:outerShdw>
-                </a:effectLst>
-                <a:latin typeface="VNI-Timfani-Heavy" pitchFamily="2" charset="0"/>
-              </a:rPr>
-              <a:t>TOÂN </a:t>
-            </a:r>
-            <a:r>
-              <a:rPr lang="en-US" sz="3600" b="1">
-                <a:ln w="11430"/>
-                <a:solidFill>
-                  <a:schemeClr val="bg1"/>
-                </a:solidFill>
-                <a:effectLst>
-                  <a:glow rad="127000">
-                    <a:prstClr val="black"/>
-                  </a:glow>
-                  <a:outerShdw blurRad="50800" dist="39000" dir="5460000" algn="tl">
-                    <a:srgbClr val="000000">
-                      <a:alpha val="38000"/>
-                    </a:srgbClr>
-                  </a:outerShdw>
-                </a:effectLst>
-                <a:latin typeface="VNI-Timfani-Heavy" pitchFamily="2" charset="0"/>
-              </a:rPr>
-              <a:t>CHUÙA</a:t>
+                <a:latin typeface="VNI-Times" pitchFamily="2" charset="0"/>
+              </a:rPr>
+              <a:t>CUØNG CHUÙC TOÂN CHUÙA</a:t>
             </a:r>
           </a:p>
         </p:txBody>
@@ -3570,13 +3332,6 @@
     <a:masterClrMapping/>
   </p:clrMapOvr>
   <p:transition/>
-  <p:timing>
-    <p:tnLst>
-      <p:par>
-        <p:cTn id="1" dur="indefinite" restart="never" nodeType="tmRoot"/>
-      </p:par>
-    </p:tnLst>
-  </p:timing>
 </p:sld>
 </file>
 
@@ -3621,72 +3376,81 @@
           <a:p>
             <a:pPr algn="ctr"/>
             <a:r>
-              <a:rPr lang="en-US" sz="6600" b="1" dirty="0" err="1" smtClean="0">
-                <a:latin typeface="HP-Aptima" pitchFamily="34" charset="0"/>
-              </a:rPr>
-              <a:t>Xin</a:t>
-            </a:r>
-            <a:r>
-              <a:rPr lang="en-US" sz="6600" b="1" dirty="0" smtClean="0">
-                <a:latin typeface="HP-Aptima" pitchFamily="34" charset="0"/>
-              </a:rPr>
-              <a:t> </a:t>
-            </a:r>
-            <a:r>
-              <a:rPr lang="en-US" sz="6600" b="1" err="1" smtClean="0">
-                <a:latin typeface="HP-Aptima" pitchFamily="34" charset="0"/>
+              <a:rPr lang="en-US" sz="6600" b="1" dirty="0">
+                <a:latin typeface="VNI-Times" pitchFamily="2" charset="0"/>
+              </a:rPr>
+              <a:t>Xin </a:t>
+            </a:r>
+            <a:r>
+              <a:rPr lang="en-US" sz="6600" b="1" dirty="0" err="1">
+                <a:latin typeface="VNI-Times" pitchFamily="2" charset="0"/>
               </a:rPr>
               <a:t>daâng</a:t>
             </a:r>
             <a:r>
-              <a:rPr lang="en-US" sz="6600" b="1" smtClean="0">
-                <a:latin typeface="HP-Aptima" pitchFamily="34" charset="0"/>
+              <a:rPr lang="en-US" sz="6600" b="1" dirty="0">
+                <a:latin typeface="VNI-Times" pitchFamily="2" charset="0"/>
               </a:rPr>
               <a:t> </a:t>
             </a:r>
             <a:br>
-              <a:rPr lang="en-US" sz="6600" b="1" smtClean="0">
-                <a:latin typeface="HP-Aptima" pitchFamily="34" charset="0"/>
+              <a:rPr lang="en-US" sz="6600" b="1" dirty="0">
+                <a:latin typeface="VNI-Times" pitchFamily="2" charset="0"/>
               </a:rPr>
             </a:br>
             <a:r>
-              <a:rPr lang="en-US" sz="6600" b="1" smtClean="0">
-                <a:latin typeface="HP-Aptima" pitchFamily="34" charset="0"/>
-              </a:rPr>
-              <a:t>loøng tin </a:t>
-            </a:r>
-            <a:r>
-              <a:rPr lang="en-US" sz="6600" b="1" dirty="0" err="1" smtClean="0">
-                <a:latin typeface="HP-Aptima" pitchFamily="34" charset="0"/>
+              <a:rPr lang="en-US" sz="6600" b="1" dirty="0" err="1">
+                <a:latin typeface="VNI-Times" pitchFamily="2" charset="0"/>
+              </a:rPr>
+              <a:t>loøng</a:t>
+            </a:r>
+            <a:r>
+              <a:rPr lang="en-US" sz="6600" b="1" dirty="0">
+                <a:latin typeface="VNI-Times" pitchFamily="2" charset="0"/>
+              </a:rPr>
+              <a:t> tin </a:t>
+            </a:r>
+            <a:r>
+              <a:rPr lang="en-US" sz="6600" b="1" dirty="0" err="1">
+                <a:latin typeface="VNI-Times" pitchFamily="2" charset="0"/>
               </a:rPr>
               <a:t>yeâu</a:t>
             </a:r>
             <a:r>
-              <a:rPr lang="en-US" sz="6600" b="1" dirty="0" smtClean="0">
-                <a:latin typeface="HP-Aptima" pitchFamily="34" charset="0"/>
+              <a:rPr lang="en-US" sz="6600" b="1" dirty="0">
+                <a:latin typeface="VNI-Times" pitchFamily="2" charset="0"/>
               </a:rPr>
               <a:t> </a:t>
             </a:r>
             <a:br>
-              <a:rPr lang="en-US" sz="6600" b="1" dirty="0" smtClean="0">
-                <a:latin typeface="HP-Aptima" pitchFamily="34" charset="0"/>
+              <a:rPr lang="en-US" sz="6600" b="1" dirty="0">
+                <a:latin typeface="VNI-Times" pitchFamily="2" charset="0"/>
               </a:rPr>
             </a:br>
             <a:r>
-              <a:rPr lang="en-US" sz="6600" b="1" err="1" smtClean="0">
-                <a:latin typeface="HP-Aptima" pitchFamily="34" charset="0"/>
+              <a:rPr lang="en-US" sz="6600" b="1" dirty="0" err="1">
+                <a:latin typeface="VNI-Times" pitchFamily="2" charset="0"/>
               </a:rPr>
               <a:t>leân</a:t>
             </a:r>
             <a:r>
-              <a:rPr lang="en-US" sz="6600" b="1" smtClean="0">
-                <a:latin typeface="HP-Aptima" pitchFamily="34" charset="0"/>
-              </a:rPr>
-              <a:t> Ngaøi.</a:t>
-            </a:r>
-            <a:endParaRPr lang="en-US" sz="6600" b="1" dirty="0" smtClean="0">
-              <a:latin typeface="HP-Aptima" pitchFamily="34" charset="0"/>
-            </a:endParaRPr>
+              <a:rPr lang="en-US" sz="6600" b="1" dirty="0">
+                <a:latin typeface="VNI-Times" pitchFamily="2" charset="0"/>
+              </a:rPr>
+              <a:t> </a:t>
+            </a:r>
+            <a:r>
+              <a:rPr lang="en-US" sz="6600" b="1" dirty="0" err="1">
+                <a:latin typeface="VNI-Times" pitchFamily="2" charset="0"/>
+              </a:rPr>
+              <a:t>Ngaøi</a:t>
+            </a:r>
+            <a:r>
+              <a:rPr lang="en-US" sz="6600" b="1" dirty="0">
+                <a:latin typeface="VNI-Times" pitchFamily="2" charset="0"/>
+              </a:rPr>
+              <a:t>.</a:t>
+            </a:r>
           </a:p>
         </p:txBody>
       </p:sp>
@@ -3714,7 +3478,7 @@
           <a:p>
             <a:pPr algn="ctr"/>
             <a:r>
-              <a:rPr lang="en-US" sz="3600" b="1">
+              <a:rPr lang="en-US" sz="3600" b="1" dirty="0">
                 <a:ln w="11430"/>
                 <a:solidFill>
                   <a:schemeClr val="bg1"/>
@@ -3729,49 +3493,9 @@
                     </a:srgbClr>
                   </a:outerShdw>
                 </a:effectLst>
-                <a:latin typeface="VNI-Timfani-Heavy" pitchFamily="2" charset="0"/>
-              </a:rPr>
-              <a:t>CUØNG CHUÙC </a:t>
-            </a:r>
-            <a:r>
-              <a:rPr lang="en-US" sz="3600" b="1" smtClean="0">
-                <a:ln w="11430"/>
-                <a:solidFill>
-                  <a:schemeClr val="bg1"/>
-                </a:solidFill>
-                <a:effectLst>
-                  <a:glow rad="127000">
-                    <a:prstClr val="black"/>
-                  </a:glow>
-                  <a:outerShdw blurRad="50800" dist="39000" dir="5460000" algn="tl">
-                    <a:srgbClr val="000000">
-                      <a:alpha val="38000"/>
-                    </a:srgbClr>
-                  </a:outerShdw>
-                </a:effectLst>
-                <a:latin typeface="VNI-Timfani-Heavy" pitchFamily="2" charset="0"/>
-              </a:rPr>
-              <a:t>TOÂN </a:t>
-            </a:r>
-            <a:r>
-              <a:rPr lang="en-US" sz="3600" b="1">
-                <a:ln w="11430"/>
-                <a:solidFill>
-                  <a:schemeClr val="bg1"/>
-                </a:solidFill>
-                <a:effectLst>
-                  <a:glow rad="127000">
-                    <a:prstClr val="black"/>
-                  </a:glow>
-                  <a:outerShdw blurRad="50800" dist="39000" dir="5460000" algn="tl">
-                    <a:srgbClr val="000000">
-                      <a:alpha val="38000"/>
-                    </a:srgbClr>
-                  </a:outerShdw>
-                </a:effectLst>
-                <a:latin typeface="VNI-Timfani-Heavy" pitchFamily="2" charset="0"/>
-              </a:rPr>
-              <a:t>CHUÙA</a:t>
+                <a:latin typeface="VNI-Times" pitchFamily="2" charset="0"/>
+              </a:rPr>
+              <a:t>CUØNG CHUÙC TOÂN CHUÙA</a:t>
             </a:r>
           </a:p>
         </p:txBody>
@@ -3782,13 +3506,6 @@
     <a:masterClrMapping/>
   </p:clrMapOvr>
   <p:transition/>
-  <p:timing>
-    <p:tnLst>
-      <p:par>
-        <p:cTn id="1" dur="indefinite" restart="never" nodeType="tmRoot"/>
-      </p:par>
-    </p:tnLst>
-  </p:timing>
 </p:sld>
 </file>
 
@@ -3833,114 +3550,156 @@
           <a:p>
             <a:pPr algn="ctr"/>
             <a:r>
-              <a:rPr lang="en-US" sz="6600" b="1">
-                <a:latin typeface="HP-Aptima" pitchFamily="34" charset="0"/>
-              </a:rPr>
-              <a:t>Baøi ca môùi </a:t>
-            </a:r>
-            <a:r>
-              <a:rPr lang="en-US" sz="6600" b="1" smtClean="0">
-                <a:latin typeface="HP-Aptima" pitchFamily="34" charset="0"/>
-              </a:rPr>
-              <a:t>trong </a:t>
+              <a:rPr lang="en-US" sz="6600" b="1" dirty="0" err="1">
+                <a:latin typeface="VNI-Times" pitchFamily="2" charset="0"/>
+              </a:rPr>
+              <a:t>Baøi</a:t>
+            </a:r>
+            <a:r>
+              <a:rPr lang="en-US" sz="6600" b="1" dirty="0">
+                <a:latin typeface="VNI-Times" pitchFamily="2" charset="0"/>
+              </a:rPr>
+              <a:t> ca </a:t>
+            </a:r>
+            <a:r>
+              <a:rPr lang="en-US" sz="6600" b="1" dirty="0" err="1">
+                <a:latin typeface="VNI-Times" pitchFamily="2" charset="0"/>
+              </a:rPr>
+              <a:t>môùi</a:t>
+            </a:r>
+            <a:r>
+              <a:rPr lang="en-US" sz="6600" b="1" dirty="0">
+                <a:latin typeface="VNI-Times" pitchFamily="2" charset="0"/>
+              </a:rPr>
+              <a:t> </a:t>
+            </a:r>
+            <a:r>
+              <a:rPr lang="en-US" sz="6600" b="1" dirty="0" err="1">
+                <a:latin typeface="VNI-Times" pitchFamily="2" charset="0"/>
+              </a:rPr>
+              <a:t>trong</a:t>
+            </a:r>
+            <a:r>
+              <a:rPr lang="en-US" sz="6600" b="1" dirty="0">
+                <a:latin typeface="VNI-Times" pitchFamily="2" charset="0"/>
+              </a:rPr>
+              <a:t> </a:t>
             </a:r>
             <a:br>
-              <a:rPr lang="en-US" sz="6600" b="1" smtClean="0">
-                <a:latin typeface="HP-Aptima" pitchFamily="34" charset="0"/>
+              <a:rPr lang="en-US" sz="6600" b="1" dirty="0">
+                <a:latin typeface="VNI-Times" pitchFamily="2" charset="0"/>
               </a:rPr>
             </a:br>
             <a:r>
-              <a:rPr lang="en-US" sz="6600" b="1" smtClean="0">
-                <a:latin typeface="HP-Aptima" pitchFamily="34" charset="0"/>
-              </a:rPr>
-              <a:t>taâm cuûa con</a:t>
-            </a:r>
-            <a:r>
-              <a:rPr lang="en-US" sz="6600" b="1">
-                <a:latin typeface="HP-Aptima" pitchFamily="34" charset="0"/>
-              </a:rPr>
-              <a:t>,</a:t>
-            </a:r>
-            <a:r>
-              <a:rPr lang="en-US" sz="6600" b="1" smtClean="0">
-                <a:latin typeface="HP-Aptima" pitchFamily="34" charset="0"/>
-              </a:rPr>
-              <a:t> ñôøi </a:t>
-            </a:r>
-            <a:r>
-              <a:rPr lang="en-US" sz="6600" b="1" dirty="0" smtClean="0">
-                <a:latin typeface="HP-Aptima" pitchFamily="34" charset="0"/>
-              </a:rPr>
-              <a:t>con </a:t>
-            </a:r>
-            <a:r>
-              <a:rPr lang="en-US" sz="6600" b="1" dirty="0" err="1" smtClean="0">
-                <a:latin typeface="HP-Aptima" pitchFamily="34" charset="0"/>
+              <a:rPr lang="en-US" sz="6600" b="1" dirty="0" err="1">
+                <a:latin typeface="VNI-Times" pitchFamily="2" charset="0"/>
+              </a:rPr>
+              <a:t>taâm</a:t>
+            </a:r>
+            <a:r>
+              <a:rPr lang="en-US" sz="6600" b="1" dirty="0">
+                <a:latin typeface="VNI-Times" pitchFamily="2" charset="0"/>
+              </a:rPr>
+              <a:t> </a:t>
+            </a:r>
+            <a:r>
+              <a:rPr lang="en-US" sz="6600" b="1" dirty="0" err="1">
+                <a:latin typeface="VNI-Times" pitchFamily="2" charset="0"/>
+              </a:rPr>
+              <a:t>cuûa</a:t>
+            </a:r>
+            <a:r>
+              <a:rPr lang="en-US" sz="6600" b="1" dirty="0">
+                <a:latin typeface="VNI-Times" pitchFamily="2" charset="0"/>
+              </a:rPr>
+              <a:t> con, </a:t>
+            </a:r>
+            <a:r>
+              <a:rPr lang="en-US" sz="6600" b="1" dirty="0" err="1">
+                <a:latin typeface="VNI-Times" pitchFamily="2" charset="0"/>
+              </a:rPr>
+              <a:t>ñôøi</a:t>
+            </a:r>
+            <a:r>
+              <a:rPr lang="en-US" sz="6600" b="1" dirty="0">
+                <a:latin typeface="VNI-Times" pitchFamily="2" charset="0"/>
+              </a:rPr>
+              <a:t> con </a:t>
+            </a:r>
+            <a:r>
+              <a:rPr lang="en-US" sz="6600" b="1" dirty="0" err="1">
+                <a:latin typeface="VNI-Times" pitchFamily="2" charset="0"/>
               </a:rPr>
               <a:t>ñaây</a:t>
             </a:r>
             <a:r>
-              <a:rPr lang="en-US" sz="6600" b="1" dirty="0" smtClean="0">
-                <a:latin typeface="HP-Aptima" pitchFamily="34" charset="0"/>
-              </a:rPr>
-              <a:t> </a:t>
-            </a:r>
-            <a:r>
-              <a:rPr lang="en-US" sz="6600" b="1" dirty="0" err="1" smtClean="0">
-                <a:latin typeface="HP-Aptima" pitchFamily="34" charset="0"/>
+              <a:rPr lang="en-US" sz="6600" b="1" dirty="0">
+                <a:latin typeface="VNI-Times" pitchFamily="2" charset="0"/>
+              </a:rPr>
+              <a:t> </a:t>
+            </a:r>
+            <a:r>
+              <a:rPr lang="en-US" sz="6600" b="1" dirty="0" err="1">
+                <a:latin typeface="VNI-Times" pitchFamily="2" charset="0"/>
               </a:rPr>
               <a:t>xin</a:t>
             </a:r>
             <a:r>
-              <a:rPr lang="en-US" sz="6600" b="1" dirty="0" smtClean="0">
-                <a:latin typeface="HP-Aptima" pitchFamily="34" charset="0"/>
-              </a:rPr>
-              <a:t> </a:t>
-            </a:r>
-            <a:r>
-              <a:rPr lang="en-US" sz="6600" b="1" dirty="0" err="1" smtClean="0">
-                <a:latin typeface="HP-Aptima" pitchFamily="34" charset="0"/>
+              <a:rPr lang="en-US" sz="6600" b="1" dirty="0">
+                <a:latin typeface="VNI-Times" pitchFamily="2" charset="0"/>
+              </a:rPr>
+              <a:t> </a:t>
+            </a:r>
+            <a:r>
+              <a:rPr lang="en-US" sz="6600" b="1" dirty="0" err="1">
+                <a:latin typeface="VNI-Times" pitchFamily="2" charset="0"/>
               </a:rPr>
               <a:t>daâng</a:t>
             </a:r>
             <a:r>
-              <a:rPr lang="en-US" sz="6600" b="1" dirty="0" smtClean="0">
-                <a:latin typeface="HP-Aptima" pitchFamily="34" charset="0"/>
-              </a:rPr>
-              <a:t> </a:t>
-            </a:r>
-            <a:r>
-              <a:rPr lang="en-US" sz="6600" b="1" err="1" smtClean="0">
-                <a:latin typeface="HP-Aptima" pitchFamily="34" charset="0"/>
+              <a:rPr lang="en-US" sz="6600" b="1" dirty="0">
+                <a:latin typeface="VNI-Times" pitchFamily="2" charset="0"/>
+              </a:rPr>
+              <a:t> </a:t>
+            </a:r>
+            <a:r>
+              <a:rPr lang="en-US" sz="6600" b="1" dirty="0" err="1">
+                <a:latin typeface="VNI-Times" pitchFamily="2" charset="0"/>
               </a:rPr>
               <a:t>hieán</a:t>
             </a:r>
             <a:r>
-              <a:rPr lang="en-US" sz="6600" b="1" smtClean="0">
-                <a:latin typeface="HP-Aptima" pitchFamily="34" charset="0"/>
+              <a:rPr lang="en-US" sz="6600" b="1" dirty="0">
+                <a:latin typeface="VNI-Times" pitchFamily="2" charset="0"/>
               </a:rPr>
               <a:t> </a:t>
             </a:r>
             <a:br>
-              <a:rPr lang="en-US" sz="6600" b="1" smtClean="0">
-                <a:latin typeface="HP-Aptima" pitchFamily="34" charset="0"/>
+              <a:rPr lang="en-US" sz="6600" b="1" dirty="0">
+                <a:latin typeface="VNI-Times" pitchFamily="2" charset="0"/>
               </a:rPr>
             </a:br>
             <a:r>
-              <a:rPr lang="en-US" sz="6600" b="1" smtClean="0">
-                <a:latin typeface="HP-Aptima" pitchFamily="34" charset="0"/>
-              </a:rPr>
-              <a:t>cho </a:t>
-            </a:r>
-            <a:r>
-              <a:rPr lang="en-US" sz="6600" b="1" dirty="0" err="1" smtClean="0">
-                <a:latin typeface="HP-Aptima" pitchFamily="34" charset="0"/>
+              <a:rPr lang="en-US" sz="6600" b="1" dirty="0" err="1">
+                <a:latin typeface="VNI-Times" pitchFamily="2" charset="0"/>
+              </a:rPr>
+              <a:t>cho</a:t>
+            </a:r>
+            <a:r>
+              <a:rPr lang="en-US" sz="6600" b="1" dirty="0">
+                <a:latin typeface="VNI-Times" pitchFamily="2" charset="0"/>
+              </a:rPr>
+              <a:t> </a:t>
+            </a:r>
+            <a:r>
+              <a:rPr lang="en-US" sz="6600" b="1" dirty="0" err="1">
+                <a:latin typeface="VNI-Times" pitchFamily="2" charset="0"/>
               </a:rPr>
               <a:t>Ngaøi</a:t>
             </a:r>
             <a:r>
-              <a:rPr lang="en-US" sz="6600" b="1" dirty="0" smtClean="0">
-                <a:latin typeface="HP-Aptima" pitchFamily="34" charset="0"/>
+              <a:rPr lang="en-US" sz="6600" b="1" dirty="0">
+                <a:latin typeface="VNI-Times" pitchFamily="2" charset="0"/>
               </a:rPr>
               <a:t>.</a:t>
             </a:r>
@@ -3971,7 +3730,7 @@
           <a:p>
             <a:pPr algn="ctr"/>
             <a:r>
-              <a:rPr lang="en-US" sz="3600" b="1">
+              <a:rPr lang="en-US" sz="3600" b="1" dirty="0">
                 <a:ln w="11430"/>
                 <a:solidFill>
                   <a:schemeClr val="bg1"/>
@@ -3986,49 +3745,9 @@
                     </a:srgbClr>
                   </a:outerShdw>
                 </a:effectLst>
-                <a:latin typeface="VNI-Timfani-Heavy" pitchFamily="2" charset="0"/>
-              </a:rPr>
-              <a:t>CUØNG CHUÙC </a:t>
-            </a:r>
-            <a:r>
-              <a:rPr lang="en-US" sz="3600" b="1" smtClean="0">
-                <a:ln w="11430"/>
-                <a:solidFill>
-                  <a:schemeClr val="bg1"/>
-                </a:solidFill>
-                <a:effectLst>
-                  <a:glow rad="127000">
-                    <a:prstClr val="black"/>
-                  </a:glow>
-                  <a:outerShdw blurRad="50800" dist="39000" dir="5460000" algn="tl">
-                    <a:srgbClr val="000000">
-                      <a:alpha val="38000"/>
-                    </a:srgbClr>
-                  </a:outerShdw>
-                </a:effectLst>
-                <a:latin typeface="VNI-Timfani-Heavy" pitchFamily="2" charset="0"/>
-              </a:rPr>
-              <a:t>TOÂN </a:t>
-            </a:r>
-            <a:r>
-              <a:rPr lang="en-US" sz="3600" b="1">
-                <a:ln w="11430"/>
-                <a:solidFill>
-                  <a:schemeClr val="bg1"/>
-                </a:solidFill>
-                <a:effectLst>
-                  <a:glow rad="127000">
-                    <a:prstClr val="black"/>
-                  </a:glow>
-                  <a:outerShdw blurRad="50800" dist="39000" dir="5460000" algn="tl">
-                    <a:srgbClr val="000000">
-                      <a:alpha val="38000"/>
-                    </a:srgbClr>
-                  </a:outerShdw>
-                </a:effectLst>
-                <a:latin typeface="VNI-Timfani-Heavy" pitchFamily="2" charset="0"/>
-              </a:rPr>
-              <a:t>CHUÙA</a:t>
+                <a:latin typeface="VNI-Times" pitchFamily="2" charset="0"/>
+              </a:rPr>
+              <a:t>CUØNG CHUÙC TOÂN CHUÙA</a:t>
             </a:r>
           </a:p>
         </p:txBody>
@@ -4039,13 +3758,6 @@
     <a:masterClrMapping/>
   </p:clrMapOvr>
   <p:transition/>
-  <p:timing>
-    <p:tnLst>
-      <p:par>
-        <p:cTn id="1" dur="indefinite" restart="never" nodeType="tmRoot"/>
-      </p:par>
-    </p:tnLst>
-  </p:timing>
 </p:sld>
 </file>
 
@@ -4090,84 +3802,105 @@
           <a:p>
             <a:pPr algn="ctr"/>
             <a:r>
-              <a:rPr lang="en-US" sz="6600" b="1" dirty="0" err="1" smtClean="0">
-                <a:latin typeface="HP-Aptima" pitchFamily="34" charset="0"/>
+              <a:rPr lang="en-US" sz="6600" b="1" dirty="0" err="1">
+                <a:latin typeface="VNI-Times" pitchFamily="2" charset="0"/>
               </a:rPr>
               <a:t>Hieán</a:t>
             </a:r>
             <a:r>
-              <a:rPr lang="en-US" sz="6600" b="1" dirty="0" smtClean="0">
-                <a:latin typeface="HP-Aptima" pitchFamily="34" charset="0"/>
-              </a:rPr>
-              <a:t> </a:t>
-            </a:r>
-            <a:r>
-              <a:rPr lang="en-US" sz="6600" b="1" dirty="0" err="1" smtClean="0">
-                <a:latin typeface="HP-Aptima" pitchFamily="34" charset="0"/>
+              <a:rPr lang="en-US" sz="6600" b="1" dirty="0">
+                <a:latin typeface="VNI-Times" pitchFamily="2" charset="0"/>
+              </a:rPr>
+              <a:t> </a:t>
+            </a:r>
+            <a:r>
+              <a:rPr lang="en-US" sz="6600" b="1" dirty="0" err="1">
+                <a:latin typeface="VNI-Times" pitchFamily="2" charset="0"/>
               </a:rPr>
               <a:t>daâng</a:t>
             </a:r>
             <a:r>
-              <a:rPr lang="en-US" sz="6600" b="1" dirty="0" smtClean="0">
-                <a:latin typeface="HP-Aptima" pitchFamily="34" charset="0"/>
-              </a:rPr>
-              <a:t> </a:t>
-            </a:r>
-            <a:r>
-              <a:rPr lang="en-US" sz="6600" b="1" err="1" smtClean="0">
-                <a:latin typeface="HP-Aptima" pitchFamily="34" charset="0"/>
+              <a:rPr lang="en-US" sz="6600" b="1" dirty="0">
+                <a:latin typeface="VNI-Times" pitchFamily="2" charset="0"/>
+              </a:rPr>
+              <a:t> </a:t>
+            </a:r>
+            <a:r>
+              <a:rPr lang="en-US" sz="6600" b="1" dirty="0" err="1">
+                <a:latin typeface="VNI-Times" pitchFamily="2" charset="0"/>
               </a:rPr>
               <a:t>hoàn</a:t>
             </a:r>
             <a:r>
-              <a:rPr lang="en-US" sz="6600" b="1" smtClean="0">
-                <a:latin typeface="HP-Aptima" pitchFamily="34" charset="0"/>
+              <a:rPr lang="en-US" sz="6600" b="1" dirty="0">
+                <a:latin typeface="VNI-Times" pitchFamily="2" charset="0"/>
               </a:rPr>
               <a:t> </a:t>
             </a:r>
             <a:br>
-              <a:rPr lang="en-US" sz="6600" b="1" smtClean="0">
-                <a:latin typeface="HP-Aptima" pitchFamily="34" charset="0"/>
+              <a:rPr lang="en-US" sz="6600" b="1" dirty="0">
+                <a:latin typeface="VNI-Times" pitchFamily="2" charset="0"/>
               </a:rPr>
             </a:br>
             <a:r>
-              <a:rPr lang="en-US" sz="6600" b="1" smtClean="0">
-                <a:latin typeface="HP-Aptima" pitchFamily="34" charset="0"/>
-              </a:rPr>
-              <a:t>thaân </a:t>
-            </a:r>
-            <a:r>
-              <a:rPr lang="en-US" sz="6600" b="1" dirty="0" smtClean="0">
-                <a:latin typeface="HP-Aptima" pitchFamily="34" charset="0"/>
-              </a:rPr>
-              <a:t>con </a:t>
-            </a:r>
-            <a:r>
-              <a:rPr lang="en-US" sz="6600" b="1" dirty="0" err="1" smtClean="0">
-                <a:latin typeface="HP-Aptima" pitchFamily="34" charset="0"/>
+              <a:rPr lang="en-US" sz="6600" b="1" dirty="0" err="1">
+                <a:latin typeface="VNI-Times" pitchFamily="2" charset="0"/>
+              </a:rPr>
+              <a:t>thaân</a:t>
+            </a:r>
+            <a:r>
+              <a:rPr lang="en-US" sz="6600" b="1" dirty="0">
+                <a:latin typeface="VNI-Times" pitchFamily="2" charset="0"/>
+              </a:rPr>
+              <a:t> con </a:t>
+            </a:r>
+            <a:r>
+              <a:rPr lang="en-US" sz="6600" b="1" dirty="0" err="1">
+                <a:latin typeface="VNI-Times" pitchFamily="2" charset="0"/>
               </a:rPr>
               <a:t>vaøo</a:t>
             </a:r>
             <a:r>
-              <a:rPr lang="en-US" sz="6600" b="1" dirty="0" smtClean="0">
-                <a:latin typeface="HP-Aptima" pitchFamily="34" charset="0"/>
+              <a:rPr lang="en-US" sz="6600" b="1" dirty="0">
+                <a:latin typeface="VNI-Times" pitchFamily="2" charset="0"/>
               </a:rPr>
               <a:t> </a:t>
             </a:r>
             <a:br>
-              <a:rPr lang="en-US" sz="6600" b="1" dirty="0" smtClean="0">
-                <a:latin typeface="HP-Aptima" pitchFamily="34" charset="0"/>
+              <a:rPr lang="en-US" sz="6600" b="1" dirty="0">
+                <a:latin typeface="VNI-Times" pitchFamily="2" charset="0"/>
               </a:rPr>
             </a:br>
             <a:r>
-              <a:rPr lang="en-US" sz="6600" b="1" smtClean="0">
-                <a:latin typeface="HP-Aptima" pitchFamily="34" charset="0"/>
-              </a:rPr>
-              <a:t>Cha Thöôïng Thieân.</a:t>
-            </a:r>
-            <a:endParaRPr lang="en-US" sz="6600" b="1" dirty="0" smtClean="0">
-              <a:latin typeface="HP-Aptima" pitchFamily="34" charset="0"/>
-            </a:endParaRPr>
+              <a:rPr lang="en-US" sz="6600" b="1" dirty="0">
+                <a:latin typeface="VNI-Times" pitchFamily="2" charset="0"/>
+              </a:rPr>
+              <a:t>Cha </a:t>
+            </a:r>
+            <a:r>
+              <a:rPr lang="en-US" sz="6600" b="1" dirty="0" err="1">
+                <a:latin typeface="VNI-Times" pitchFamily="2" charset="0"/>
+              </a:rPr>
+              <a:t>Thöôïng</a:t>
+            </a:r>
+            <a:r>
+              <a:rPr lang="en-US" sz="6600" b="1" dirty="0">
+                <a:latin typeface="VNI-Times" pitchFamily="2" charset="0"/>
+              </a:rPr>
+              <a:t> </a:t>
+            </a:r>
+            <a:r>
+              <a:rPr lang="en-US" sz="6600" b="1" dirty="0" err="1">
+                <a:latin typeface="VNI-Times" pitchFamily="2" charset="0"/>
+              </a:rPr>
+              <a:t>Thieân</a:t>
+            </a:r>
+            <a:r>
+              <a:rPr lang="en-US" sz="6600" b="1" dirty="0">
+                <a:latin typeface="VNI-Times" pitchFamily="2" charset="0"/>
+              </a:rPr>
+              <a:t>.</a:t>
+            </a:r>
           </a:p>
         </p:txBody>
       </p:sp>
@@ -4195,7 +3928,7 @@
           <a:p>
             <a:pPr algn="ctr"/>
             <a:r>
-              <a:rPr lang="en-US" sz="3600" b="1">
+              <a:rPr lang="en-US" sz="3600" b="1" dirty="0">
                 <a:ln w="11430"/>
                 <a:solidFill>
                   <a:schemeClr val="bg1"/>
@@ -4210,49 +3943,9 @@
                     </a:srgbClr>
                   </a:outerShdw>
                 </a:effectLst>
-                <a:latin typeface="VNI-Timfani-Heavy" pitchFamily="2" charset="0"/>
-              </a:rPr>
-              <a:t>CUØNG CHUÙC </a:t>
-            </a:r>
-            <a:r>
-              <a:rPr lang="en-US" sz="3600" b="1" smtClean="0">
-                <a:ln w="11430"/>
-                <a:solidFill>
-                  <a:schemeClr val="bg1"/>
-                </a:solidFill>
-                <a:effectLst>
-                  <a:glow rad="127000">
-                    <a:prstClr val="black"/>
-                  </a:glow>
-                  <a:outerShdw blurRad="50800" dist="39000" dir="5460000" algn="tl">
-                    <a:srgbClr val="000000">
-                      <a:alpha val="38000"/>
-                    </a:srgbClr>
-                  </a:outerShdw>
-                </a:effectLst>
-                <a:latin typeface="VNI-Timfani-Heavy" pitchFamily="2" charset="0"/>
-              </a:rPr>
-              <a:t>TOÂN </a:t>
-            </a:r>
-            <a:r>
-              <a:rPr lang="en-US" sz="3600" b="1">
-                <a:ln w="11430"/>
-                <a:solidFill>
-                  <a:schemeClr val="bg1"/>
-                </a:solidFill>
-                <a:effectLst>
-                  <a:glow rad="127000">
-                    <a:prstClr val="black"/>
-                  </a:glow>
-                  <a:outerShdw blurRad="50800" dist="39000" dir="5460000" algn="tl">
-                    <a:srgbClr val="000000">
-                      <a:alpha val="38000"/>
-                    </a:srgbClr>
-                  </a:outerShdw>
-                </a:effectLst>
-                <a:latin typeface="VNI-Timfani-Heavy" pitchFamily="2" charset="0"/>
-              </a:rPr>
-              <a:t>CHUÙA</a:t>
+                <a:latin typeface="VNI-Times" pitchFamily="2" charset="0"/>
+              </a:rPr>
+              <a:t>CUØNG CHUÙC TOÂN CHUÙA</a:t>
             </a:r>
           </a:p>
         </p:txBody>
@@ -4262,13 +3955,6 @@
   <p:clrMapOvr>
     <a:masterClrMapping/>
   </p:clrMapOvr>
-  <p:timing>
-    <p:tnLst>
-      <p:par>
-        <p:cTn id="1" dur="indefinite" restart="never" nodeType="tmRoot"/>
-      </p:par>
-    </p:tnLst>
-  </p:timing>
 </p:sld>
 </file>
 
